--- a/1- OOP Giris/w1_OOP_2020.pptx
+++ b/1- OOP Giris/w1_OOP_2020.pptx
@@ -5,7 +5,7 @@
     <p:sldMasterId id="2147483766" r:id="rId1"/>
   </p:sldMasterIdLst>
   <p:notesMasterIdLst>
-    <p:notesMasterId r:id="rId40"/>
+    <p:notesMasterId r:id="rId21"/>
   </p:notesMasterIdLst>
   <p:sldIdLst>
     <p:sldId id="256" r:id="rId2"/>
@@ -25,27 +25,8 @@
     <p:sldId id="263" r:id="rId16"/>
     <p:sldId id="266" r:id="rId17"/>
     <p:sldId id="271" r:id="rId18"/>
-    <p:sldId id="269" r:id="rId19"/>
-    <p:sldId id="272" r:id="rId20"/>
-    <p:sldId id="300" r:id="rId21"/>
-    <p:sldId id="273" r:id="rId22"/>
-    <p:sldId id="274" r:id="rId23"/>
-    <p:sldId id="275" r:id="rId24"/>
-    <p:sldId id="276" r:id="rId25"/>
-    <p:sldId id="277" r:id="rId26"/>
-    <p:sldId id="278" r:id="rId27"/>
-    <p:sldId id="279" r:id="rId28"/>
-    <p:sldId id="280" r:id="rId29"/>
-    <p:sldId id="291" r:id="rId30"/>
-    <p:sldId id="292" r:id="rId31"/>
-    <p:sldId id="293" r:id="rId32"/>
-    <p:sldId id="294" r:id="rId33"/>
-    <p:sldId id="295" r:id="rId34"/>
-    <p:sldId id="296" r:id="rId35"/>
-    <p:sldId id="297" r:id="rId36"/>
-    <p:sldId id="298" r:id="rId37"/>
-    <p:sldId id="281" r:id="rId38"/>
-    <p:sldId id="262" r:id="rId39"/>
+    <p:sldId id="281" r:id="rId19"/>
+    <p:sldId id="262" r:id="rId20"/>
   </p:sldIdLst>
   <p:sldSz cx="12192000" cy="6858000"/>
   <p:notesSz cx="6858000" cy="9144000"/>
@@ -234,7 +215,7 @@
           <a:p>
             <a:fld id="{AD28B2EF-1A80-4400-AB53-58D44E3FB11E}" type="datetimeFigureOut">
               <a:rPr lang="tr-TR" smtClean="0"/>
-              <a:t>10.02.2020</a:t>
+              <a:t>12.02.2020</a:t>
             </a:fld>
             <a:endParaRPr lang="tr-TR"/>
           </a:p>
@@ -879,174 +860,6 @@
     <p:extLst>
       <p:ext uri="{BB962C8B-B14F-4D97-AF65-F5344CB8AC3E}">
         <p14:creationId xmlns:p14="http://schemas.microsoft.com/office/powerpoint/2010/main" val="1641901576"/>
-      </p:ext>
-    </p:extLst>
-  </p:cSld>
-  <p:clrMapOvr>
-    <a:masterClrMapping/>
-  </p:clrMapOvr>
-</p:notes>
-</file>
-
-<file path=ppt/notesSlides/notesSlide5.xml><?xml version="1.0" encoding="utf-8"?>
-<p:notes xmlns:a="http://schemas.openxmlformats.org/drawingml/2006/main" xmlns:r="http://schemas.openxmlformats.org/officeDocument/2006/relationships" xmlns:p="http://schemas.openxmlformats.org/presentationml/2006/main">
-  <p:cSld>
-    <p:spTree>
-      <p:nvGrpSpPr>
-        <p:cNvPr id="1" name=""/>
-        <p:cNvGrpSpPr/>
-        <p:nvPr/>
-      </p:nvGrpSpPr>
-      <p:grpSpPr>
-        <a:xfrm>
-          <a:off x="0" y="0"/>
-          <a:ext cx="0" cy="0"/>
-          <a:chOff x="0" y="0"/>
-          <a:chExt cx="0" cy="0"/>
-        </a:xfrm>
-      </p:grpSpPr>
-      <p:sp>
-        <p:nvSpPr>
-          <p:cNvPr id="2" name="Slide Image Placeholder 1"/>
-          <p:cNvSpPr>
-            <a:spLocks noGrp="1" noRot="1" noChangeAspect="1"/>
-          </p:cNvSpPr>
-          <p:nvPr>
-            <p:ph type="sldImg"/>
-          </p:nvPr>
-        </p:nvSpPr>
-        <p:spPr/>
-      </p:sp>
-      <p:sp>
-        <p:nvSpPr>
-          <p:cNvPr id="3" name="Notes Placeholder 2"/>
-          <p:cNvSpPr>
-            <a:spLocks noGrp="1"/>
-          </p:cNvSpPr>
-          <p:nvPr>
-            <p:ph type="body" idx="1"/>
-          </p:nvPr>
-        </p:nvSpPr>
-        <p:spPr/>
-        <p:txBody>
-          <a:bodyPr/>
-          <a:lstStyle/>
-          <a:p>
-            <a:endParaRPr lang="en-US" dirty="0"/>
-          </a:p>
-        </p:txBody>
-      </p:sp>
-      <p:sp>
-        <p:nvSpPr>
-          <p:cNvPr id="4" name="Slide Number Placeholder 3"/>
-          <p:cNvSpPr>
-            <a:spLocks noGrp="1"/>
-          </p:cNvSpPr>
-          <p:nvPr>
-            <p:ph type="sldNum" sz="quarter" idx="10"/>
-          </p:nvPr>
-        </p:nvSpPr>
-        <p:spPr/>
-        <p:txBody>
-          <a:bodyPr/>
-          <a:lstStyle/>
-          <a:p>
-            <a:fld id="{F3DFF3B7-CDDD-40F1-9E00-2CA7C72128F3}" type="slidenum">
-              <a:rPr lang="tr-TR" smtClean="0"/>
-              <a:t>18</a:t>
-            </a:fld>
-            <a:endParaRPr lang="tr-TR"/>
-          </a:p>
-        </p:txBody>
-      </p:sp>
-    </p:spTree>
-    <p:extLst>
-      <p:ext uri="{BB962C8B-B14F-4D97-AF65-F5344CB8AC3E}">
-        <p14:creationId xmlns:p14="http://schemas.microsoft.com/office/powerpoint/2010/main" val="1194898149"/>
-      </p:ext>
-    </p:extLst>
-  </p:cSld>
-  <p:clrMapOvr>
-    <a:masterClrMapping/>
-  </p:clrMapOvr>
-</p:notes>
-</file>
-
-<file path=ppt/notesSlides/notesSlide6.xml><?xml version="1.0" encoding="utf-8"?>
-<p:notes xmlns:a="http://schemas.openxmlformats.org/drawingml/2006/main" xmlns:r="http://schemas.openxmlformats.org/officeDocument/2006/relationships" xmlns:p="http://schemas.openxmlformats.org/presentationml/2006/main">
-  <p:cSld>
-    <p:spTree>
-      <p:nvGrpSpPr>
-        <p:cNvPr id="1" name=""/>
-        <p:cNvGrpSpPr/>
-        <p:nvPr/>
-      </p:nvGrpSpPr>
-      <p:grpSpPr>
-        <a:xfrm>
-          <a:off x="0" y="0"/>
-          <a:ext cx="0" cy="0"/>
-          <a:chOff x="0" y="0"/>
-          <a:chExt cx="0" cy="0"/>
-        </a:xfrm>
-      </p:grpSpPr>
-      <p:sp>
-        <p:nvSpPr>
-          <p:cNvPr id="2" name="Slide Image Placeholder 1"/>
-          <p:cNvSpPr>
-            <a:spLocks noGrp="1" noRot="1" noChangeAspect="1"/>
-          </p:cNvSpPr>
-          <p:nvPr>
-            <p:ph type="sldImg"/>
-          </p:nvPr>
-        </p:nvSpPr>
-        <p:spPr/>
-      </p:sp>
-      <p:sp>
-        <p:nvSpPr>
-          <p:cNvPr id="3" name="Notes Placeholder 2"/>
-          <p:cNvSpPr>
-            <a:spLocks noGrp="1"/>
-          </p:cNvSpPr>
-          <p:nvPr>
-            <p:ph type="body" idx="1"/>
-          </p:nvPr>
-        </p:nvSpPr>
-        <p:spPr/>
-        <p:txBody>
-          <a:bodyPr/>
-          <a:lstStyle/>
-          <a:p>
-            <a:endParaRPr lang="en-US" dirty="0"/>
-          </a:p>
-        </p:txBody>
-      </p:sp>
-      <p:sp>
-        <p:nvSpPr>
-          <p:cNvPr id="4" name="Slide Number Placeholder 3"/>
-          <p:cNvSpPr>
-            <a:spLocks noGrp="1"/>
-          </p:cNvSpPr>
-          <p:nvPr>
-            <p:ph type="sldNum" sz="quarter" idx="10"/>
-          </p:nvPr>
-        </p:nvSpPr>
-        <p:spPr/>
-        <p:txBody>
-          <a:bodyPr/>
-          <a:lstStyle/>
-          <a:p>
-            <a:fld id="{F3DFF3B7-CDDD-40F1-9E00-2CA7C72128F3}" type="slidenum">
-              <a:rPr lang="tr-TR" smtClean="0"/>
-              <a:t>20</a:t>
-            </a:fld>
-            <a:endParaRPr lang="tr-TR"/>
-          </a:p>
-        </p:txBody>
-      </p:sp>
-    </p:spTree>
-    <p:extLst>
-      <p:ext uri="{BB962C8B-B14F-4D97-AF65-F5344CB8AC3E}">
-        <p14:creationId xmlns:p14="http://schemas.microsoft.com/office/powerpoint/2010/main" val="3922036164"/>
       </p:ext>
     </p:extLst>
   </p:cSld>
@@ -6820,3607 +6633,6 @@
       </p:grpSpPr>
       <p:sp>
         <p:nvSpPr>
-          <p:cNvPr id="41986" name="Rectangle 2">
-            <a:extLst>
-              <a:ext uri="{FF2B5EF4-FFF2-40B4-BE49-F238E27FC236}">
-                <a16:creationId xmlns:a16="http://schemas.microsoft.com/office/drawing/2014/main" id="{9808F018-8626-4137-B2D4-C561B31BBB45}"/>
-              </a:ext>
-            </a:extLst>
-          </p:cNvPr>
-          <p:cNvSpPr>
-            <a:spLocks noGrp="1" noChangeArrowheads="1"/>
-          </p:cNvSpPr>
-          <p:nvPr>
-            <p:ph type="title"/>
-          </p:nvPr>
-        </p:nvSpPr>
-        <p:spPr>
-          <a:xfrm>
-            <a:off x="948240" y="502515"/>
-            <a:ext cx="9603275" cy="1267562"/>
-          </a:xfrm>
-        </p:spPr>
-        <p:txBody>
-          <a:bodyPr>
-            <a:normAutofit/>
-          </a:bodyPr>
-          <a:lstStyle/>
-          <a:p>
-            <a:r>
-              <a:rPr lang="en-US" altLang="tr-TR" dirty="0">
-                <a:cs typeface="Times New Roman" panose="02020603050405020304" pitchFamily="18" charset="0"/>
-              </a:rPr>
-              <a:t>the Unified Modeling Language</a:t>
-            </a:r>
-          </a:p>
-        </p:txBody>
-      </p:sp>
-      <p:sp>
-        <p:nvSpPr>
-          <p:cNvPr id="41987" name="Rectangle 3">
-            <a:extLst>
-              <a:ext uri="{FF2B5EF4-FFF2-40B4-BE49-F238E27FC236}">
-                <a16:creationId xmlns:a16="http://schemas.microsoft.com/office/drawing/2014/main" id="{9BBCC663-73D5-4449-9A71-FE1C6794EF8D}"/>
-              </a:ext>
-            </a:extLst>
-          </p:cNvPr>
-          <p:cNvSpPr>
-            <a:spLocks noGrp="1" noChangeArrowheads="1"/>
-          </p:cNvSpPr>
-          <p:nvPr>
-            <p:ph type="body" idx="1"/>
-          </p:nvPr>
-        </p:nvSpPr>
-        <p:spPr>
-          <a:xfrm>
-            <a:off x="1451579" y="2015732"/>
-            <a:ext cx="9603275" cy="4003231"/>
-          </a:xfrm>
-        </p:spPr>
-        <p:txBody>
-          <a:bodyPr>
-            <a:normAutofit fontScale="85000" lnSpcReduction="20000"/>
-          </a:bodyPr>
-          <a:lstStyle/>
-          <a:p>
-            <a:r>
-              <a:rPr lang="en-US" altLang="tr-TR" dirty="0"/>
-              <a:t>Unified Modeling Language (UML)</a:t>
-            </a:r>
-          </a:p>
-          <a:p>
-            <a:pPr lvl="1"/>
-            <a:r>
-              <a:rPr lang="en-US" altLang="tr-TR" dirty="0"/>
-              <a:t>Graphical language that uses common notation</a:t>
-            </a:r>
-          </a:p>
-          <a:p>
-            <a:pPr lvl="1"/>
-            <a:r>
-              <a:rPr lang="en-US" altLang="tr-TR" dirty="0"/>
-              <a:t>Allows developers to represent object-oriented designs</a:t>
-            </a:r>
-            <a:endParaRPr lang="tr-TR" altLang="tr-TR" dirty="0"/>
-          </a:p>
-          <a:p>
-            <a:pPr lvl="1"/>
-            <a:r>
-              <a:rPr lang="tr-TR" altLang="tr-TR" dirty="0"/>
-              <a:t>UML Diagrams</a:t>
-            </a:r>
-          </a:p>
-          <a:p>
-            <a:pPr lvl="2"/>
-            <a:r>
-              <a:rPr lang="tr-TR" altLang="tr-TR" dirty="0"/>
-              <a:t>Use Case Diagrams</a:t>
-            </a:r>
-          </a:p>
-          <a:p>
-            <a:pPr lvl="2"/>
-            <a:r>
-              <a:rPr lang="tr-TR" altLang="tr-TR" dirty="0"/>
-              <a:t>Class Diagrams</a:t>
-            </a:r>
-          </a:p>
-          <a:p>
-            <a:pPr lvl="2"/>
-            <a:r>
-              <a:rPr lang="tr-TR" altLang="tr-TR" dirty="0"/>
-              <a:t>Package Diagrams</a:t>
-            </a:r>
-          </a:p>
-          <a:p>
-            <a:pPr lvl="2"/>
-            <a:r>
-              <a:rPr lang="tr-TR" altLang="tr-TR" dirty="0"/>
-              <a:t>Sequence Diagrams</a:t>
-            </a:r>
-          </a:p>
-          <a:p>
-            <a:pPr lvl="2"/>
-            <a:r>
-              <a:rPr lang="tr-TR" altLang="tr-TR" dirty="0"/>
-              <a:t>Interaction Diagrams</a:t>
-            </a:r>
-          </a:p>
-          <a:p>
-            <a:pPr lvl="3"/>
-            <a:r>
-              <a:rPr lang="tr-TR" altLang="tr-TR" dirty="0"/>
-              <a:t>Sequence</a:t>
-            </a:r>
-          </a:p>
-          <a:p>
-            <a:pPr lvl="3"/>
-            <a:r>
-              <a:rPr lang="tr-TR" altLang="tr-TR" dirty="0"/>
-              <a:t>Colloboration</a:t>
-            </a:r>
-          </a:p>
-          <a:p>
-            <a:pPr lvl="2">
-              <a:buClr>
-                <a:srgbClr val="B71E42"/>
-              </a:buClr>
-            </a:pPr>
-            <a:r>
-              <a:rPr lang="tr-TR" altLang="tr-TR" dirty="0">
-                <a:solidFill>
-                  <a:prstClr val="black"/>
-                </a:solidFill>
-              </a:rPr>
-              <a:t>Activity Diagrams</a:t>
-            </a:r>
-          </a:p>
-          <a:p>
-            <a:pPr lvl="2">
-              <a:buClr>
-                <a:srgbClr val="B71E42"/>
-              </a:buClr>
-            </a:pPr>
-            <a:r>
-              <a:rPr lang="tr-TR" altLang="tr-TR" dirty="0">
-                <a:solidFill>
-                  <a:prstClr val="black"/>
-                </a:solidFill>
-              </a:rPr>
-              <a:t>State Transition Diagrams</a:t>
-            </a:r>
-          </a:p>
-          <a:p>
-            <a:pPr lvl="2">
-              <a:buClr>
-                <a:srgbClr val="B71E42"/>
-              </a:buClr>
-            </a:pPr>
-            <a:r>
-              <a:rPr lang="tr-TR" altLang="tr-TR" dirty="0">
-                <a:solidFill>
-                  <a:prstClr val="black"/>
-                </a:solidFill>
-              </a:rPr>
-              <a:t>Deployment Diagrams</a:t>
-            </a:r>
-          </a:p>
-          <a:p>
-            <a:pPr lvl="3"/>
-            <a:endParaRPr lang="tr-TR" altLang="tr-TR" dirty="0"/>
-          </a:p>
-        </p:txBody>
-      </p:sp>
-      <p:sp>
-        <p:nvSpPr>
-          <p:cNvPr id="5" name="Date Placeholder 5">
-            <a:extLst>
-              <a:ext uri="{FF2B5EF4-FFF2-40B4-BE49-F238E27FC236}">
-                <a16:creationId xmlns:a16="http://schemas.microsoft.com/office/drawing/2014/main" id="{F0751687-922C-4419-B37C-E1742F5D6BAE}"/>
-              </a:ext>
-            </a:extLst>
-          </p:cNvPr>
-          <p:cNvSpPr>
-            <a:spLocks noGrp="1"/>
-          </p:cNvSpPr>
-          <p:nvPr>
-            <p:ph type="dt" sz="half" idx="10"/>
-          </p:nvPr>
-        </p:nvSpPr>
-        <p:spPr>
-          <a:xfrm>
-            <a:off x="7554138" y="330370"/>
-            <a:ext cx="3500715" cy="309201"/>
-          </a:xfrm>
-        </p:spPr>
-        <p:txBody>
-          <a:bodyPr/>
-          <a:lstStyle/>
-          <a:p>
-            <a:r>
-              <a:rPr lang="tr-TR" dirty="0"/>
-              <a:t>11.02.2020</a:t>
-            </a:r>
-          </a:p>
-        </p:txBody>
-      </p:sp>
-    </p:spTree>
-    <p:extLst>
-      <p:ext uri="{BB962C8B-B14F-4D97-AF65-F5344CB8AC3E}">
-        <p14:creationId xmlns:p14="http://schemas.microsoft.com/office/powerpoint/2010/main" val="1439073161"/>
-      </p:ext>
-    </p:extLst>
-  </p:cSld>
-  <p:clrMapOvr>
-    <a:masterClrMapping/>
-  </p:clrMapOvr>
-  <p:transition spd="slow">
-    <p:push dir="u"/>
-  </p:transition>
-</p:sld>
-</file>
-
-<file path=ppt/slides/slide19.xml><?xml version="1.0" encoding="utf-8"?>
-<p:sld xmlns:a="http://schemas.openxmlformats.org/drawingml/2006/main" xmlns:r="http://schemas.openxmlformats.org/officeDocument/2006/relationships" xmlns:p="http://schemas.openxmlformats.org/presentationml/2006/main">
-  <p:cSld>
-    <p:spTree>
-      <p:nvGrpSpPr>
-        <p:cNvPr id="1" name=""/>
-        <p:cNvGrpSpPr/>
-        <p:nvPr/>
-      </p:nvGrpSpPr>
-      <p:grpSpPr>
-        <a:xfrm>
-          <a:off x="0" y="0"/>
-          <a:ext cx="0" cy="0"/>
-          <a:chOff x="0" y="0"/>
-          <a:chExt cx="0" cy="0"/>
-        </a:xfrm>
-      </p:grpSpPr>
-      <p:pic>
-        <p:nvPicPr>
-          <p:cNvPr id="4" name="Content Placeholder 3">
-            <a:extLst>
-              <a:ext uri="{FF2B5EF4-FFF2-40B4-BE49-F238E27FC236}">
-                <a16:creationId xmlns:a16="http://schemas.microsoft.com/office/drawing/2014/main" id="{92EB4F2E-69D9-4782-A796-F15DF33BCB73}"/>
-              </a:ext>
-            </a:extLst>
-          </p:cNvPr>
-          <p:cNvPicPr>
-            <a:picLocks noGrp="1" noChangeAspect="1"/>
-          </p:cNvPicPr>
-          <p:nvPr>
-            <p:ph idx="4294967295"/>
-          </p:nvPr>
-        </p:nvPicPr>
-        <p:blipFill>
-          <a:blip r:embed="rId2"/>
-          <a:stretch>
-            <a:fillRect/>
-          </a:stretch>
-        </p:blipFill>
-        <p:spPr>
-          <a:xfrm>
-            <a:off x="1672730" y="106596"/>
-            <a:ext cx="7943850" cy="5886450"/>
-          </a:xfrm>
-          <a:prstGeom prst="rect">
-            <a:avLst/>
-          </a:prstGeom>
-        </p:spPr>
-      </p:pic>
-      <p:sp>
-        <p:nvSpPr>
-          <p:cNvPr id="2" name="Date Placeholder 1">
-            <a:extLst>
-              <a:ext uri="{FF2B5EF4-FFF2-40B4-BE49-F238E27FC236}">
-                <a16:creationId xmlns:a16="http://schemas.microsoft.com/office/drawing/2014/main" id="{FB66CCC1-C3D7-4E21-A873-965327F933B4}"/>
-              </a:ext>
-            </a:extLst>
-          </p:cNvPr>
-          <p:cNvSpPr>
-            <a:spLocks noGrp="1"/>
-          </p:cNvSpPr>
-          <p:nvPr>
-            <p:ph type="dt" sz="half" idx="10"/>
-          </p:nvPr>
-        </p:nvSpPr>
-        <p:spPr/>
-        <p:txBody>
-          <a:bodyPr/>
-          <a:lstStyle/>
-          <a:p>
-            <a:r>
-              <a:rPr lang="tr-TR" dirty="0"/>
-              <a:t>11.02.2020</a:t>
-            </a:r>
-          </a:p>
-          <a:p>
-            <a:endParaRPr lang="tr-TR" dirty="0"/>
-          </a:p>
-        </p:txBody>
-      </p:sp>
-    </p:spTree>
-    <p:extLst>
-      <p:ext uri="{BB962C8B-B14F-4D97-AF65-F5344CB8AC3E}">
-        <p14:creationId xmlns:p14="http://schemas.microsoft.com/office/powerpoint/2010/main" val="3149939796"/>
-      </p:ext>
-    </p:extLst>
-  </p:cSld>
-  <p:clrMapOvr>
-    <a:masterClrMapping/>
-  </p:clrMapOvr>
-  <p:transition spd="slow">
-    <p:push dir="u"/>
-  </p:transition>
-</p:sld>
-</file>
-
-<file path=ppt/slides/slide2.xml><?xml version="1.0" encoding="utf-8"?>
-<p:sld xmlns:a="http://schemas.openxmlformats.org/drawingml/2006/main" xmlns:r="http://schemas.openxmlformats.org/officeDocument/2006/relationships" xmlns:p="http://schemas.openxmlformats.org/presentationml/2006/main">
-  <p:cSld>
-    <p:spTree>
-      <p:nvGrpSpPr>
-        <p:cNvPr id="1" name=""/>
-        <p:cNvGrpSpPr/>
-        <p:nvPr/>
-      </p:nvGrpSpPr>
-      <p:grpSpPr>
-        <a:xfrm>
-          <a:off x="0" y="0"/>
-          <a:ext cx="0" cy="0"/>
-          <a:chOff x="0" y="0"/>
-          <a:chExt cx="0" cy="0"/>
-        </a:xfrm>
-      </p:grpSpPr>
-      <p:sp>
-        <p:nvSpPr>
-          <p:cNvPr id="2" name="Unvan 1">
-            <a:extLst>
-              <a:ext uri="{FF2B5EF4-FFF2-40B4-BE49-F238E27FC236}">
-                <a16:creationId xmlns:a16="http://schemas.microsoft.com/office/drawing/2014/main" id="{0900DD59-2566-423F-8EAB-187665DD9F42}"/>
-              </a:ext>
-            </a:extLst>
-          </p:cNvPr>
-          <p:cNvSpPr>
-            <a:spLocks noGrp="1"/>
-          </p:cNvSpPr>
-          <p:nvPr>
-            <p:ph type="title"/>
-          </p:nvPr>
-        </p:nvSpPr>
-        <p:spPr>
-          <a:xfrm>
-            <a:off x="1451579" y="804520"/>
-            <a:ext cx="9491241" cy="787444"/>
-          </a:xfrm>
-          <a:ln>
-            <a:noFill/>
-          </a:ln>
-        </p:spPr>
-        <p:txBody>
-          <a:bodyPr>
-            <a:normAutofit fontScale="90000"/>
-          </a:bodyPr>
-          <a:lstStyle/>
-          <a:p>
-            <a:pPr algn="ctr"/>
-            <a:r>
-              <a:rPr lang="tr-TR" dirty="0"/>
-              <a:t>SOFTWARE DEVELOPMENT STEPS</a:t>
-            </a:r>
-            <a:r>
-              <a:rPr lang="tr-TR" i="1" dirty="0"/>
-              <a:t/>
-            </a:r>
-            <a:br>
-              <a:rPr lang="tr-TR" i="1" dirty="0"/>
-            </a:br>
-            <a:endParaRPr lang="tr-TR" b="1" i="1" dirty="0"/>
-          </a:p>
-        </p:txBody>
-      </p:sp>
-      <p:sp>
-        <p:nvSpPr>
-          <p:cNvPr id="6" name="İçerik Yer Tutucusu 5">
-            <a:extLst>
-              <a:ext uri="{FF2B5EF4-FFF2-40B4-BE49-F238E27FC236}">
-                <a16:creationId xmlns:a16="http://schemas.microsoft.com/office/drawing/2014/main" id="{3612B575-5451-47D6-94CD-643E068AB637}"/>
-              </a:ext>
-            </a:extLst>
-          </p:cNvPr>
-          <p:cNvSpPr>
-            <a:spLocks noGrp="1"/>
-          </p:cNvSpPr>
-          <p:nvPr>
-            <p:ph idx="4294967295"/>
-          </p:nvPr>
-        </p:nvSpPr>
-        <p:spPr>
-          <a:xfrm>
-            <a:off x="1544533" y="1683401"/>
-            <a:ext cx="10647467" cy="3807761"/>
-          </a:xfrm>
-        </p:spPr>
-        <p:txBody>
-          <a:bodyPr>
-            <a:normAutofit fontScale="92500" lnSpcReduction="20000"/>
-          </a:bodyPr>
-          <a:lstStyle/>
-          <a:p>
-            <a:endParaRPr lang="tr-TR" dirty="0"/>
-          </a:p>
-          <a:p>
-            <a:r>
-              <a:rPr lang="tr-TR" dirty="0"/>
-              <a:t> Problem Definition</a:t>
-            </a:r>
-          </a:p>
-          <a:p>
-            <a:pPr lvl="1"/>
-            <a:r>
-              <a:rPr lang="tr-TR" dirty="0"/>
-              <a:t>Understanding the problem and requirements</a:t>
-            </a:r>
-          </a:p>
-          <a:p>
-            <a:r>
-              <a:rPr lang="tr-TR" dirty="0"/>
-              <a:t>Analysis</a:t>
-            </a:r>
-          </a:p>
-          <a:p>
-            <a:pPr lvl="1"/>
-            <a:r>
-              <a:rPr lang="tr-TR" dirty="0"/>
-              <a:t>Working on technical requirements for the software</a:t>
-            </a:r>
-          </a:p>
-          <a:p>
-            <a:r>
-              <a:rPr lang="tr-TR" dirty="0"/>
-              <a:t>Coding</a:t>
-            </a:r>
-          </a:p>
-          <a:p>
-            <a:pPr lvl="1"/>
-            <a:r>
-              <a:rPr lang="tr-TR" dirty="0"/>
-              <a:t>Developing assigned parts of software with preferred language</a:t>
-            </a:r>
-          </a:p>
-          <a:p>
-            <a:r>
-              <a:rPr lang="tr-TR" dirty="0"/>
-              <a:t>Testing </a:t>
-            </a:r>
-          </a:p>
-          <a:p>
-            <a:pPr lvl="1"/>
-            <a:r>
-              <a:rPr lang="tr-TR" dirty="0"/>
-              <a:t>Testing software with the business scenarios </a:t>
-            </a:r>
-          </a:p>
-          <a:p>
-            <a:r>
-              <a:rPr lang="tr-TR" dirty="0"/>
-              <a:t>Documentation</a:t>
-            </a:r>
-          </a:p>
-        </p:txBody>
-      </p:sp>
-      <p:sp>
-        <p:nvSpPr>
-          <p:cNvPr id="10" name="Dikdörtgen 9">
-            <a:extLst>
-              <a:ext uri="{FF2B5EF4-FFF2-40B4-BE49-F238E27FC236}">
-                <a16:creationId xmlns:a16="http://schemas.microsoft.com/office/drawing/2014/main" id="{BA238E6D-D6F2-4C6C-855C-674D36A63C58}"/>
-              </a:ext>
-            </a:extLst>
-          </p:cNvPr>
-          <p:cNvSpPr/>
-          <p:nvPr/>
-        </p:nvSpPr>
-        <p:spPr>
-          <a:xfrm>
-            <a:off x="1258631" y="2554911"/>
-            <a:ext cx="4644421" cy="369332"/>
-          </a:xfrm>
-          <a:prstGeom prst="rect">
-            <a:avLst/>
-          </a:prstGeom>
-        </p:spPr>
-        <p:txBody>
-          <a:bodyPr wrap="square">
-            <a:spAutoFit/>
-          </a:bodyPr>
-          <a:lstStyle/>
-          <a:p>
-            <a:r>
-              <a:rPr lang="tr-TR" dirty="0"/>
-              <a:t>		</a:t>
-            </a:r>
-          </a:p>
-        </p:txBody>
-      </p:sp>
-      <p:sp>
-        <p:nvSpPr>
-          <p:cNvPr id="8" name="Date Placeholder 5">
-            <a:extLst>
-              <a:ext uri="{FF2B5EF4-FFF2-40B4-BE49-F238E27FC236}">
-                <a16:creationId xmlns:a16="http://schemas.microsoft.com/office/drawing/2014/main" id="{F0751687-922C-4419-B37C-E1742F5D6BAE}"/>
-              </a:ext>
-            </a:extLst>
-          </p:cNvPr>
-          <p:cNvSpPr>
-            <a:spLocks noGrp="1"/>
-          </p:cNvSpPr>
-          <p:nvPr>
-            <p:ph type="dt" sz="half" idx="10"/>
-          </p:nvPr>
-        </p:nvSpPr>
-        <p:spPr>
-          <a:xfrm>
-            <a:off x="7554138" y="330370"/>
-            <a:ext cx="3500715" cy="309201"/>
-          </a:xfrm>
-        </p:spPr>
-        <p:txBody>
-          <a:bodyPr/>
-          <a:lstStyle/>
-          <a:p>
-            <a:r>
-              <a:rPr lang="tr-TR" dirty="0"/>
-              <a:t>11.02.2020</a:t>
-            </a:r>
-          </a:p>
-        </p:txBody>
-      </p:sp>
-    </p:spTree>
-    <p:extLst>
-      <p:ext uri="{BB962C8B-B14F-4D97-AF65-F5344CB8AC3E}">
-        <p14:creationId xmlns:p14="http://schemas.microsoft.com/office/powerpoint/2010/main" val="1618724020"/>
-      </p:ext>
-    </p:extLst>
-  </p:cSld>
-  <p:clrMapOvr>
-    <a:masterClrMapping/>
-  </p:clrMapOvr>
-  <p:transition spd="slow">
-    <p:push dir="u"/>
-  </p:transition>
-</p:sld>
-</file>
-
-<file path=ppt/slides/slide20.xml><?xml version="1.0" encoding="utf-8"?>
-<p:sld xmlns:a="http://schemas.openxmlformats.org/drawingml/2006/main" xmlns:r="http://schemas.openxmlformats.org/officeDocument/2006/relationships" xmlns:p="http://schemas.openxmlformats.org/presentationml/2006/main">
-  <p:cSld>
-    <p:spTree>
-      <p:nvGrpSpPr>
-        <p:cNvPr id="1" name=""/>
-        <p:cNvGrpSpPr/>
-        <p:nvPr/>
-      </p:nvGrpSpPr>
-      <p:grpSpPr>
-        <a:xfrm>
-          <a:off x="0" y="0"/>
-          <a:ext cx="0" cy="0"/>
-          <a:chOff x="0" y="0"/>
-          <a:chExt cx="0" cy="0"/>
-        </a:xfrm>
-      </p:grpSpPr>
-      <p:sp>
-        <p:nvSpPr>
-          <p:cNvPr id="41986" name="Rectangle 2">
-            <a:extLst>
-              <a:ext uri="{FF2B5EF4-FFF2-40B4-BE49-F238E27FC236}">
-                <a16:creationId xmlns:a16="http://schemas.microsoft.com/office/drawing/2014/main" id="{9808F018-8626-4137-B2D4-C561B31BBB45}"/>
-              </a:ext>
-            </a:extLst>
-          </p:cNvPr>
-          <p:cNvSpPr>
-            <a:spLocks noGrp="1" noChangeArrowheads="1"/>
-          </p:cNvSpPr>
-          <p:nvPr>
-            <p:ph type="title"/>
-          </p:nvPr>
-        </p:nvSpPr>
-        <p:spPr>
-          <a:xfrm>
-            <a:off x="1365928" y="800580"/>
-            <a:ext cx="9603275" cy="1267562"/>
-          </a:xfrm>
-        </p:spPr>
-        <p:txBody>
-          <a:bodyPr>
-            <a:normAutofit/>
-          </a:bodyPr>
-          <a:lstStyle/>
-          <a:p>
-            <a:r>
-              <a:rPr lang="tr-TR" altLang="tr-TR" dirty="0" smtClean="0">
-                <a:cs typeface="Times New Roman" panose="02020603050405020304" pitchFamily="18" charset="0"/>
-              </a:rPr>
-              <a:t>USE CASE DIAGRAM</a:t>
-            </a:r>
-            <a:endParaRPr lang="en-US" altLang="tr-TR" dirty="0">
-              <a:cs typeface="Times New Roman" panose="02020603050405020304" pitchFamily="18" charset="0"/>
-            </a:endParaRPr>
-          </a:p>
-        </p:txBody>
-      </p:sp>
-      <p:sp>
-        <p:nvSpPr>
-          <p:cNvPr id="5" name="Date Placeholder 5">
-            <a:extLst>
-              <a:ext uri="{FF2B5EF4-FFF2-40B4-BE49-F238E27FC236}">
-                <a16:creationId xmlns:a16="http://schemas.microsoft.com/office/drawing/2014/main" id="{F0751687-922C-4419-B37C-E1742F5D6BAE}"/>
-              </a:ext>
-            </a:extLst>
-          </p:cNvPr>
-          <p:cNvSpPr>
-            <a:spLocks noGrp="1"/>
-          </p:cNvSpPr>
-          <p:nvPr>
-            <p:ph type="dt" sz="half" idx="10"/>
-          </p:nvPr>
-        </p:nvSpPr>
-        <p:spPr>
-          <a:xfrm>
-            <a:off x="7554138" y="330370"/>
-            <a:ext cx="3500715" cy="309201"/>
-          </a:xfrm>
-        </p:spPr>
-        <p:txBody>
-          <a:bodyPr/>
-          <a:lstStyle/>
-          <a:p>
-            <a:r>
-              <a:rPr lang="tr-TR" dirty="0"/>
-              <a:t>11.02.2020</a:t>
-            </a:r>
-          </a:p>
-        </p:txBody>
-      </p:sp>
-      <p:pic>
-        <p:nvPicPr>
-          <p:cNvPr id="3" name="Picture 2"/>
-          <p:cNvPicPr>
-            <a:picLocks noChangeAspect="1"/>
-          </p:cNvPicPr>
-          <p:nvPr/>
-        </p:nvPicPr>
-        <p:blipFill>
-          <a:blip r:embed="rId3"/>
-          <a:stretch>
-            <a:fillRect/>
-          </a:stretch>
-        </p:blipFill>
-        <p:spPr>
-          <a:xfrm>
-            <a:off x="948240" y="1942222"/>
-            <a:ext cx="5838825" cy="4019550"/>
-          </a:xfrm>
-          <a:prstGeom prst="rect">
-            <a:avLst/>
-          </a:prstGeom>
-        </p:spPr>
-      </p:pic>
-      <p:sp>
-        <p:nvSpPr>
-          <p:cNvPr id="4" name="Rectangle 3"/>
-          <p:cNvSpPr/>
-          <p:nvPr/>
-        </p:nvSpPr>
-        <p:spPr>
-          <a:xfrm>
-            <a:off x="6887024" y="2078547"/>
-            <a:ext cx="5304976" cy="646331"/>
-          </a:xfrm>
-          <a:prstGeom prst="rect">
-            <a:avLst/>
-          </a:prstGeom>
-        </p:spPr>
-        <p:txBody>
-          <a:bodyPr wrap="square">
-            <a:spAutoFit/>
-          </a:bodyPr>
-          <a:lstStyle/>
-          <a:p>
-            <a:r>
-              <a:rPr lang="tr-TR" b="1" dirty="0" smtClean="0"/>
-              <a:t>&lt;&lt;</a:t>
-            </a:r>
-            <a:r>
-              <a:rPr lang="tr-TR" b="1" dirty="0"/>
-              <a:t>e</a:t>
-            </a:r>
-            <a:r>
-              <a:rPr lang="en-US" b="1" dirty="0" err="1" smtClean="0"/>
-              <a:t>xtend</a:t>
-            </a:r>
-            <a:r>
-              <a:rPr lang="tr-TR" b="1" dirty="0" smtClean="0"/>
-              <a:t>&gt;&gt;</a:t>
-            </a:r>
-            <a:r>
-              <a:rPr lang="en-US" b="1" dirty="0" smtClean="0"/>
-              <a:t> </a:t>
-            </a:r>
-            <a:r>
-              <a:rPr lang="en-US" dirty="0"/>
-              <a:t>is used when a use case adds steps to another first-class use case.</a:t>
-            </a:r>
-          </a:p>
-        </p:txBody>
-      </p:sp>
-      <p:sp>
-        <p:nvSpPr>
-          <p:cNvPr id="6" name="Rectangle 5"/>
-          <p:cNvSpPr/>
-          <p:nvPr/>
-        </p:nvSpPr>
-        <p:spPr>
-          <a:xfrm>
-            <a:off x="7035421" y="2885887"/>
-            <a:ext cx="5077557" cy="1477328"/>
-          </a:xfrm>
-          <a:prstGeom prst="rect">
-            <a:avLst/>
-          </a:prstGeom>
-        </p:spPr>
-        <p:txBody>
-          <a:bodyPr wrap="square">
-            <a:spAutoFit/>
-          </a:bodyPr>
-          <a:lstStyle/>
-          <a:p>
-            <a:r>
-              <a:rPr lang="tr-TR" b="1" dirty="0" smtClean="0"/>
-              <a:t>&lt;&lt;</a:t>
-            </a:r>
-            <a:r>
-              <a:rPr lang="tr-TR" b="1" dirty="0"/>
-              <a:t>i</a:t>
-            </a:r>
-            <a:r>
-              <a:rPr lang="en-US" b="1" dirty="0" err="1" smtClean="0"/>
-              <a:t>nclude</a:t>
-            </a:r>
-            <a:r>
-              <a:rPr lang="tr-TR" b="1" dirty="0" smtClean="0"/>
-              <a:t>&gt;&gt;</a:t>
-            </a:r>
-            <a:r>
-              <a:rPr lang="en-US" dirty="0"/>
-              <a:t> is used to extract use case fragments that are duplicated in multiple use cases. </a:t>
-            </a:r>
-            <a:endParaRPr lang="tr-TR" dirty="0" smtClean="0"/>
-          </a:p>
-          <a:p>
-            <a:r>
-              <a:rPr lang="en-US" dirty="0"/>
-              <a:t> The included use case cannot stand alone and the original use case is not complete without the included one</a:t>
-            </a:r>
-          </a:p>
-        </p:txBody>
-      </p:sp>
-    </p:spTree>
-    <p:extLst>
-      <p:ext uri="{BB962C8B-B14F-4D97-AF65-F5344CB8AC3E}">
-        <p14:creationId xmlns:p14="http://schemas.microsoft.com/office/powerpoint/2010/main" val="2122365393"/>
-      </p:ext>
-    </p:extLst>
-  </p:cSld>
-  <p:clrMapOvr>
-    <a:masterClrMapping/>
-  </p:clrMapOvr>
-  <p:transition spd="slow">
-    <p:push dir="u"/>
-  </p:transition>
-</p:sld>
-</file>
-
-<file path=ppt/slides/slide21.xml><?xml version="1.0" encoding="utf-8"?>
-<p:sld xmlns:a="http://schemas.openxmlformats.org/drawingml/2006/main" xmlns:r="http://schemas.openxmlformats.org/officeDocument/2006/relationships" xmlns:p="http://schemas.openxmlformats.org/presentationml/2006/main">
-  <p:cSld>
-    <p:spTree>
-      <p:nvGrpSpPr>
-        <p:cNvPr id="1" name=""/>
-        <p:cNvGrpSpPr/>
-        <p:nvPr/>
-      </p:nvGrpSpPr>
-      <p:grpSpPr>
-        <a:xfrm>
-          <a:off x="0" y="0"/>
-          <a:ext cx="0" cy="0"/>
-          <a:chOff x="0" y="0"/>
-          <a:chExt cx="0" cy="0"/>
-        </a:xfrm>
-      </p:grpSpPr>
-      <p:sp>
-        <p:nvSpPr>
-          <p:cNvPr id="2" name="Title 1">
-            <a:extLst>
-              <a:ext uri="{FF2B5EF4-FFF2-40B4-BE49-F238E27FC236}">
-                <a16:creationId xmlns:a16="http://schemas.microsoft.com/office/drawing/2014/main" id="{B3317550-38FC-4EA2-85F6-BC01F2C52B59}"/>
-              </a:ext>
-            </a:extLst>
-          </p:cNvPr>
-          <p:cNvSpPr>
-            <a:spLocks noGrp="1"/>
-          </p:cNvSpPr>
-          <p:nvPr>
-            <p:ph type="title"/>
-          </p:nvPr>
-        </p:nvSpPr>
-        <p:spPr/>
-        <p:txBody>
-          <a:bodyPr/>
-          <a:lstStyle/>
-          <a:p>
-            <a:r>
-              <a:rPr lang="en-US" dirty="0"/>
-              <a:t>A Case Study - A Payroll Program</a:t>
-            </a:r>
-            <a:endParaRPr lang="tr-TR" dirty="0"/>
-          </a:p>
-        </p:txBody>
-      </p:sp>
-      <p:sp>
-        <p:nvSpPr>
-          <p:cNvPr id="3" name="Content Placeholder 2">
-            <a:extLst>
-              <a:ext uri="{FF2B5EF4-FFF2-40B4-BE49-F238E27FC236}">
-                <a16:creationId xmlns:a16="http://schemas.microsoft.com/office/drawing/2014/main" id="{9D658AE0-B4FA-4BEE-8441-22F71BF0C620}"/>
-              </a:ext>
-            </a:extLst>
-          </p:cNvPr>
-          <p:cNvSpPr>
-            <a:spLocks noGrp="1"/>
-          </p:cNvSpPr>
-          <p:nvPr>
-            <p:ph idx="1"/>
-          </p:nvPr>
-        </p:nvSpPr>
-        <p:spPr/>
-        <p:txBody>
-          <a:bodyPr/>
-          <a:lstStyle/>
-          <a:p>
-            <a:r>
-              <a:rPr lang="en-US" dirty="0"/>
-              <a:t>Consider a payroll program that processes employee records at a small manufacturing firm. This company has three types of employees:</a:t>
-            </a:r>
-            <a:endParaRPr lang="tr-TR" dirty="0"/>
-          </a:p>
-          <a:p>
-            <a:r>
-              <a:rPr lang="en-US" dirty="0"/>
-              <a:t> 1. Managers: Receive a regular salary. •</a:t>
-            </a:r>
-            <a:endParaRPr lang="tr-TR" dirty="0"/>
-          </a:p>
-          <a:p>
-            <a:r>
-              <a:rPr lang="en-US" dirty="0"/>
-              <a:t> 2. Office Workers: Receive an hourly wage and are eligible for overtime after 40 hours.</a:t>
-            </a:r>
-            <a:endParaRPr lang="tr-TR" dirty="0"/>
-          </a:p>
-          <a:p>
-            <a:r>
-              <a:rPr lang="en-US" dirty="0"/>
-              <a:t> 3. Production Workers: Are paid according to a piece rate</a:t>
-            </a:r>
-            <a:endParaRPr lang="tr-TR" dirty="0"/>
-          </a:p>
-        </p:txBody>
-      </p:sp>
-      <p:sp>
-        <p:nvSpPr>
-          <p:cNvPr id="5" name="Date Placeholder 5">
-            <a:extLst>
-              <a:ext uri="{FF2B5EF4-FFF2-40B4-BE49-F238E27FC236}">
-                <a16:creationId xmlns:a16="http://schemas.microsoft.com/office/drawing/2014/main" id="{F0751687-922C-4419-B37C-E1742F5D6BAE}"/>
-              </a:ext>
-            </a:extLst>
-          </p:cNvPr>
-          <p:cNvSpPr>
-            <a:spLocks noGrp="1"/>
-          </p:cNvSpPr>
-          <p:nvPr>
-            <p:ph type="dt" sz="half" idx="10"/>
-          </p:nvPr>
-        </p:nvSpPr>
-        <p:spPr>
-          <a:xfrm>
-            <a:off x="7554138" y="330370"/>
-            <a:ext cx="3500715" cy="309201"/>
-          </a:xfrm>
-        </p:spPr>
-        <p:txBody>
-          <a:bodyPr/>
-          <a:lstStyle/>
-          <a:p>
-            <a:r>
-              <a:rPr lang="tr-TR" dirty="0"/>
-              <a:t>11.02.2020</a:t>
-            </a:r>
-          </a:p>
-        </p:txBody>
-      </p:sp>
-    </p:spTree>
-    <p:extLst>
-      <p:ext uri="{BB962C8B-B14F-4D97-AF65-F5344CB8AC3E}">
-        <p14:creationId xmlns:p14="http://schemas.microsoft.com/office/powerpoint/2010/main" val="2353798601"/>
-      </p:ext>
-    </p:extLst>
-  </p:cSld>
-  <p:clrMapOvr>
-    <a:masterClrMapping/>
-  </p:clrMapOvr>
-  <p:transition spd="slow">
-    <p:push dir="u"/>
-  </p:transition>
-</p:sld>
-</file>
-
-<file path=ppt/slides/slide22.xml><?xml version="1.0" encoding="utf-8"?>
-<p:sld xmlns:a="http://schemas.openxmlformats.org/drawingml/2006/main" xmlns:r="http://schemas.openxmlformats.org/officeDocument/2006/relationships" xmlns:p="http://schemas.openxmlformats.org/presentationml/2006/main">
-  <p:cSld>
-    <p:spTree>
-      <p:nvGrpSpPr>
-        <p:cNvPr id="1" name=""/>
-        <p:cNvGrpSpPr/>
-        <p:nvPr/>
-      </p:nvGrpSpPr>
-      <p:grpSpPr>
-        <a:xfrm>
-          <a:off x="0" y="0"/>
-          <a:ext cx="0" cy="0"/>
-          <a:chOff x="0" y="0"/>
-          <a:chExt cx="0" cy="0"/>
-        </a:xfrm>
-      </p:grpSpPr>
-      <p:sp>
-        <p:nvSpPr>
-          <p:cNvPr id="2" name="Title 1">
-            <a:extLst>
-              <a:ext uri="{FF2B5EF4-FFF2-40B4-BE49-F238E27FC236}">
-                <a16:creationId xmlns:a16="http://schemas.microsoft.com/office/drawing/2014/main" id="{FD267AA3-1EE5-40BD-B511-74A31DD6BAC5}"/>
-              </a:ext>
-            </a:extLst>
-          </p:cNvPr>
-          <p:cNvSpPr>
-            <a:spLocks noGrp="1"/>
-          </p:cNvSpPr>
-          <p:nvPr>
-            <p:ph type="title"/>
-          </p:nvPr>
-        </p:nvSpPr>
-        <p:spPr/>
-        <p:txBody>
-          <a:bodyPr/>
-          <a:lstStyle/>
-          <a:p>
-            <a:r>
-              <a:rPr lang="tr-TR" dirty="0"/>
-              <a:t>Structured Approach</a:t>
-            </a:r>
-          </a:p>
-        </p:txBody>
-      </p:sp>
-      <p:sp>
-        <p:nvSpPr>
-          <p:cNvPr id="3" name="Content Placeholder 2">
-            <a:extLst>
-              <a:ext uri="{FF2B5EF4-FFF2-40B4-BE49-F238E27FC236}">
-                <a16:creationId xmlns:a16="http://schemas.microsoft.com/office/drawing/2014/main" id="{3A28A533-C249-4E8F-B1A5-CB31DCE22BFA}"/>
-              </a:ext>
-            </a:extLst>
-          </p:cNvPr>
-          <p:cNvSpPr>
-            <a:spLocks noGrp="1"/>
-          </p:cNvSpPr>
-          <p:nvPr>
-            <p:ph idx="1"/>
-          </p:nvPr>
-        </p:nvSpPr>
-        <p:spPr/>
-        <p:txBody>
-          <a:bodyPr>
-            <a:normAutofit fontScale="85000" lnSpcReduction="20000"/>
-          </a:bodyPr>
-          <a:lstStyle/>
-          <a:p>
-            <a:pPr marL="0" indent="0">
-              <a:buNone/>
-            </a:pPr>
-            <a:r>
-              <a:rPr lang="en-US" dirty="0"/>
-              <a:t>FOR EVERY EMPLOYEE DO </a:t>
-            </a:r>
-            <a:endParaRPr lang="tr-TR" dirty="0"/>
-          </a:p>
-          <a:p>
-            <a:pPr marL="0" indent="0">
-              <a:buNone/>
-            </a:pPr>
-            <a:r>
-              <a:rPr lang="tr-TR" dirty="0"/>
-              <a:t>    </a:t>
-            </a:r>
-            <a:r>
-              <a:rPr lang="en-US" dirty="0"/>
-              <a:t>BEGIN </a:t>
-            </a:r>
-            <a:endParaRPr lang="tr-TR" dirty="0"/>
-          </a:p>
-          <a:p>
-            <a:pPr marL="0" indent="0">
-              <a:buNone/>
-            </a:pPr>
-            <a:r>
-              <a:rPr lang="tr-TR" dirty="0"/>
-              <a:t>	</a:t>
-            </a:r>
-            <a:r>
-              <a:rPr lang="en-US" dirty="0"/>
-              <a:t>IF employee = manager THEN </a:t>
-            </a:r>
-            <a:endParaRPr lang="tr-TR" dirty="0"/>
-          </a:p>
-          <a:p>
-            <a:pPr marL="0" indent="0">
-              <a:buNone/>
-            </a:pPr>
-            <a:r>
-              <a:rPr lang="tr-TR" dirty="0"/>
-              <a:t>	     </a:t>
-            </a:r>
-            <a:r>
-              <a:rPr lang="en-US" dirty="0"/>
-              <a:t>CALL </a:t>
-            </a:r>
-            <a:r>
-              <a:rPr lang="en-US" dirty="0" err="1"/>
-              <a:t>computeManagerSalary</a:t>
-            </a:r>
-            <a:r>
-              <a:rPr lang="en-US" dirty="0"/>
-              <a:t> </a:t>
-            </a:r>
-            <a:endParaRPr lang="tr-TR" dirty="0"/>
-          </a:p>
-          <a:p>
-            <a:pPr marL="0" indent="0">
-              <a:buNone/>
-            </a:pPr>
-            <a:r>
-              <a:rPr lang="tr-TR" dirty="0"/>
-              <a:t>	</a:t>
-            </a:r>
-            <a:r>
-              <a:rPr lang="en-US" dirty="0"/>
-              <a:t>IF employee = office worker THEN</a:t>
-            </a:r>
-            <a:endParaRPr lang="tr-TR" dirty="0"/>
-          </a:p>
-          <a:p>
-            <a:pPr marL="0" indent="0">
-              <a:buNone/>
-            </a:pPr>
-            <a:r>
-              <a:rPr lang="tr-TR" dirty="0"/>
-              <a:t>	   </a:t>
-            </a:r>
-            <a:r>
-              <a:rPr lang="en-US" dirty="0"/>
-              <a:t> CALL </a:t>
-            </a:r>
-            <a:r>
-              <a:rPr lang="en-US" dirty="0" err="1"/>
-              <a:t>computeOfficeWorkerSalary</a:t>
-            </a:r>
-            <a:r>
-              <a:rPr lang="en-US" dirty="0"/>
-              <a:t> </a:t>
-            </a:r>
-            <a:endParaRPr lang="tr-TR" dirty="0"/>
-          </a:p>
-          <a:p>
-            <a:pPr marL="0" indent="0">
-              <a:buNone/>
-            </a:pPr>
-            <a:r>
-              <a:rPr lang="tr-TR" dirty="0"/>
-              <a:t>	</a:t>
-            </a:r>
-            <a:r>
-              <a:rPr lang="en-US" dirty="0"/>
-              <a:t>IF employee = production worker THEN</a:t>
-            </a:r>
-            <a:endParaRPr lang="tr-TR" dirty="0"/>
-          </a:p>
-          <a:p>
-            <a:pPr marL="0" indent="0">
-              <a:buNone/>
-            </a:pPr>
-            <a:r>
-              <a:rPr lang="tr-TR" dirty="0"/>
-              <a:t>	   </a:t>
-            </a:r>
-            <a:r>
-              <a:rPr lang="en-US" dirty="0"/>
-              <a:t> CALL </a:t>
-            </a:r>
-            <a:r>
-              <a:rPr lang="en-US" dirty="0" err="1"/>
-              <a:t>computeProductionWorkerSalary</a:t>
-            </a:r>
-            <a:r>
-              <a:rPr lang="en-US" dirty="0"/>
-              <a:t> </a:t>
-            </a:r>
-            <a:endParaRPr lang="tr-TR" dirty="0"/>
-          </a:p>
-          <a:p>
-            <a:pPr marL="0" indent="0">
-              <a:buNone/>
-            </a:pPr>
-            <a:r>
-              <a:rPr lang="tr-TR" dirty="0"/>
-              <a:t>    </a:t>
-            </a:r>
-            <a:r>
-              <a:rPr lang="en-US" dirty="0"/>
-              <a:t>END</a:t>
-            </a:r>
-            <a:endParaRPr lang="tr-TR" dirty="0"/>
-          </a:p>
-        </p:txBody>
-      </p:sp>
-      <p:sp>
-        <p:nvSpPr>
-          <p:cNvPr id="5" name="Date Placeholder 5">
-            <a:extLst>
-              <a:ext uri="{FF2B5EF4-FFF2-40B4-BE49-F238E27FC236}">
-                <a16:creationId xmlns:a16="http://schemas.microsoft.com/office/drawing/2014/main" id="{F0751687-922C-4419-B37C-E1742F5D6BAE}"/>
-              </a:ext>
-            </a:extLst>
-          </p:cNvPr>
-          <p:cNvSpPr>
-            <a:spLocks noGrp="1"/>
-          </p:cNvSpPr>
-          <p:nvPr>
-            <p:ph type="dt" sz="half" idx="10"/>
-          </p:nvPr>
-        </p:nvSpPr>
-        <p:spPr>
-          <a:xfrm>
-            <a:off x="7554138" y="330370"/>
-            <a:ext cx="3500715" cy="309201"/>
-          </a:xfrm>
-        </p:spPr>
-        <p:txBody>
-          <a:bodyPr/>
-          <a:lstStyle/>
-          <a:p>
-            <a:r>
-              <a:rPr lang="tr-TR" dirty="0"/>
-              <a:t>11.02.2020</a:t>
-            </a:r>
-          </a:p>
-          <a:p>
-            <a:endParaRPr lang="tr-TR" dirty="0"/>
-          </a:p>
-        </p:txBody>
-      </p:sp>
-    </p:spTree>
-    <p:extLst>
-      <p:ext uri="{BB962C8B-B14F-4D97-AF65-F5344CB8AC3E}">
-        <p14:creationId xmlns:p14="http://schemas.microsoft.com/office/powerpoint/2010/main" val="1004324347"/>
-      </p:ext>
-    </p:extLst>
-  </p:cSld>
-  <p:clrMapOvr>
-    <a:masterClrMapping/>
-  </p:clrMapOvr>
-  <p:transition spd="slow">
-    <p:push dir="u"/>
-  </p:transition>
-</p:sld>
-</file>
-
-<file path=ppt/slides/slide23.xml><?xml version="1.0" encoding="utf-8"?>
-<p:sld xmlns:a="http://schemas.openxmlformats.org/drawingml/2006/main" xmlns:r="http://schemas.openxmlformats.org/officeDocument/2006/relationships" xmlns:p="http://schemas.openxmlformats.org/presentationml/2006/main">
-  <p:cSld>
-    <p:spTree>
-      <p:nvGrpSpPr>
-        <p:cNvPr id="1" name=""/>
-        <p:cNvGrpSpPr/>
-        <p:nvPr/>
-      </p:nvGrpSpPr>
-      <p:grpSpPr>
-        <a:xfrm>
-          <a:off x="0" y="0"/>
-          <a:ext cx="0" cy="0"/>
-          <a:chOff x="0" y="0"/>
-          <a:chExt cx="0" cy="0"/>
-        </a:xfrm>
-      </p:grpSpPr>
-      <p:sp>
-        <p:nvSpPr>
-          <p:cNvPr id="2" name="Title 1">
-            <a:extLst>
-              <a:ext uri="{FF2B5EF4-FFF2-40B4-BE49-F238E27FC236}">
-                <a16:creationId xmlns:a16="http://schemas.microsoft.com/office/drawing/2014/main" id="{FC1BA5F2-A12F-4CF1-BEAD-3C71D8A08FAE}"/>
-              </a:ext>
-            </a:extLst>
-          </p:cNvPr>
-          <p:cNvSpPr>
-            <a:spLocks noGrp="1"/>
-          </p:cNvSpPr>
-          <p:nvPr>
-            <p:ph type="title"/>
-          </p:nvPr>
-        </p:nvSpPr>
-        <p:spPr/>
-        <p:txBody>
-          <a:bodyPr/>
-          <a:lstStyle/>
-          <a:p>
-            <a:r>
-              <a:rPr lang="en-US" dirty="0"/>
-              <a:t>What if we add two new types of employees?</a:t>
-            </a:r>
-            <a:endParaRPr lang="tr-TR" dirty="0"/>
-          </a:p>
-        </p:txBody>
-      </p:sp>
-      <p:sp>
-        <p:nvSpPr>
-          <p:cNvPr id="3" name="Content Placeholder 2">
-            <a:extLst>
-              <a:ext uri="{FF2B5EF4-FFF2-40B4-BE49-F238E27FC236}">
-                <a16:creationId xmlns:a16="http://schemas.microsoft.com/office/drawing/2014/main" id="{CE354B2F-5009-4206-85F2-F840A11CDC67}"/>
-              </a:ext>
-            </a:extLst>
-          </p:cNvPr>
-          <p:cNvSpPr>
-            <a:spLocks noGrp="1"/>
-          </p:cNvSpPr>
-          <p:nvPr>
-            <p:ph idx="1"/>
-          </p:nvPr>
-        </p:nvSpPr>
-        <p:spPr/>
-        <p:txBody>
-          <a:bodyPr/>
-          <a:lstStyle/>
-          <a:p>
-            <a:r>
-              <a:rPr lang="en-US" dirty="0"/>
-              <a:t>Temporary office workers ineligible for overtime, </a:t>
-            </a:r>
-            <a:endParaRPr lang="tr-TR" dirty="0"/>
-          </a:p>
-          <a:p>
-            <a:r>
-              <a:rPr lang="en-US" dirty="0"/>
-              <a:t>Junior production workers who receive an hourly wage plus a lower piece rate.</a:t>
-            </a:r>
-            <a:endParaRPr lang="tr-TR" dirty="0"/>
-          </a:p>
-        </p:txBody>
-      </p:sp>
-      <p:sp>
-        <p:nvSpPr>
-          <p:cNvPr id="5" name="Date Placeholder 5">
-            <a:extLst>
-              <a:ext uri="{FF2B5EF4-FFF2-40B4-BE49-F238E27FC236}">
-                <a16:creationId xmlns:a16="http://schemas.microsoft.com/office/drawing/2014/main" id="{F0751687-922C-4419-B37C-E1742F5D6BAE}"/>
-              </a:ext>
-            </a:extLst>
-          </p:cNvPr>
-          <p:cNvSpPr>
-            <a:spLocks noGrp="1"/>
-          </p:cNvSpPr>
-          <p:nvPr>
-            <p:ph type="dt" sz="half" idx="10"/>
-          </p:nvPr>
-        </p:nvSpPr>
-        <p:spPr>
-          <a:xfrm>
-            <a:off x="7554138" y="330370"/>
-            <a:ext cx="3500715" cy="309201"/>
-          </a:xfrm>
-        </p:spPr>
-        <p:txBody>
-          <a:bodyPr/>
-          <a:lstStyle/>
-          <a:p>
-            <a:r>
-              <a:rPr lang="tr-TR" dirty="0"/>
-              <a:t>11.02.2020</a:t>
-            </a:r>
-          </a:p>
-        </p:txBody>
-      </p:sp>
-    </p:spTree>
-    <p:extLst>
-      <p:ext uri="{BB962C8B-B14F-4D97-AF65-F5344CB8AC3E}">
-        <p14:creationId xmlns:p14="http://schemas.microsoft.com/office/powerpoint/2010/main" val="1354392229"/>
-      </p:ext>
-    </p:extLst>
-  </p:cSld>
-  <p:clrMapOvr>
-    <a:masterClrMapping/>
-  </p:clrMapOvr>
-  <p:transition spd="slow">
-    <p:push dir="u"/>
-  </p:transition>
-</p:sld>
-</file>
-
-<file path=ppt/slides/slide24.xml><?xml version="1.0" encoding="utf-8"?>
-<p:sld xmlns:a="http://schemas.openxmlformats.org/drawingml/2006/main" xmlns:r="http://schemas.openxmlformats.org/officeDocument/2006/relationships" xmlns:p="http://schemas.openxmlformats.org/presentationml/2006/main">
-  <p:cSld>
-    <p:spTree>
-      <p:nvGrpSpPr>
-        <p:cNvPr id="1" name=""/>
-        <p:cNvGrpSpPr/>
-        <p:nvPr/>
-      </p:nvGrpSpPr>
-      <p:grpSpPr>
-        <a:xfrm>
-          <a:off x="0" y="0"/>
-          <a:ext cx="0" cy="0"/>
-          <a:chOff x="0" y="0"/>
-          <a:chExt cx="0" cy="0"/>
-        </a:xfrm>
-      </p:grpSpPr>
-      <p:sp>
-        <p:nvSpPr>
-          <p:cNvPr id="2" name="Title 1">
-            <a:extLst>
-              <a:ext uri="{FF2B5EF4-FFF2-40B4-BE49-F238E27FC236}">
-                <a16:creationId xmlns:a16="http://schemas.microsoft.com/office/drawing/2014/main" id="{527DD427-147E-4AA5-9173-BB721EB4273A}"/>
-              </a:ext>
-            </a:extLst>
-          </p:cNvPr>
-          <p:cNvSpPr>
-            <a:spLocks noGrp="1"/>
-          </p:cNvSpPr>
-          <p:nvPr>
-            <p:ph type="title"/>
-          </p:nvPr>
-        </p:nvSpPr>
-        <p:spPr/>
-        <p:txBody>
-          <a:bodyPr/>
-          <a:lstStyle/>
-          <a:p>
-            <a:r>
-              <a:rPr lang="tr-TR" dirty="0"/>
-              <a:t>Structured Approach</a:t>
-            </a:r>
-          </a:p>
-        </p:txBody>
-      </p:sp>
-      <p:sp>
-        <p:nvSpPr>
-          <p:cNvPr id="3" name="Content Placeholder 2">
-            <a:extLst>
-              <a:ext uri="{FF2B5EF4-FFF2-40B4-BE49-F238E27FC236}">
-                <a16:creationId xmlns:a16="http://schemas.microsoft.com/office/drawing/2014/main" id="{47E65C62-3576-4E73-BF54-723EB15C70D3}"/>
-              </a:ext>
-            </a:extLst>
-          </p:cNvPr>
-          <p:cNvSpPr>
-            <a:spLocks noGrp="1"/>
-          </p:cNvSpPr>
-          <p:nvPr>
-            <p:ph idx="1"/>
-          </p:nvPr>
-        </p:nvSpPr>
-        <p:spPr>
-          <a:xfrm>
-            <a:off x="1451579" y="2015732"/>
-            <a:ext cx="9603275" cy="4099842"/>
-          </a:xfrm>
-        </p:spPr>
-        <p:txBody>
-          <a:bodyPr>
-            <a:normAutofit fontScale="55000" lnSpcReduction="20000"/>
-          </a:bodyPr>
-          <a:lstStyle/>
-          <a:p>
-            <a:pPr marL="0" indent="0">
-              <a:buNone/>
-            </a:pPr>
-            <a:r>
-              <a:rPr lang="en-US" dirty="0"/>
-              <a:t>FOR EVERY EMPLOYEE DO </a:t>
-            </a:r>
-            <a:endParaRPr lang="tr-TR" dirty="0"/>
-          </a:p>
-          <a:p>
-            <a:pPr marL="0" indent="0">
-              <a:buNone/>
-            </a:pPr>
-            <a:r>
-              <a:rPr lang="tr-TR" dirty="0"/>
-              <a:t>    </a:t>
-            </a:r>
-            <a:r>
-              <a:rPr lang="en-US" dirty="0"/>
-              <a:t>BEGIN </a:t>
-            </a:r>
-            <a:endParaRPr lang="tr-TR" dirty="0"/>
-          </a:p>
-          <a:p>
-            <a:pPr marL="0" indent="0">
-              <a:buNone/>
-            </a:pPr>
-            <a:r>
-              <a:rPr lang="tr-TR" dirty="0"/>
-              <a:t>	</a:t>
-            </a:r>
-            <a:r>
-              <a:rPr lang="en-US" dirty="0"/>
-              <a:t>IF employee = manager THEN </a:t>
-            </a:r>
-            <a:endParaRPr lang="tr-TR" dirty="0"/>
-          </a:p>
-          <a:p>
-            <a:pPr marL="0" indent="0">
-              <a:buNone/>
-            </a:pPr>
-            <a:r>
-              <a:rPr lang="tr-TR" dirty="0"/>
-              <a:t>	     </a:t>
-            </a:r>
-            <a:r>
-              <a:rPr lang="en-US" dirty="0"/>
-              <a:t>CALL </a:t>
-            </a:r>
-            <a:r>
-              <a:rPr lang="en-US" dirty="0" err="1"/>
-              <a:t>computeManagerSalary</a:t>
-            </a:r>
-            <a:r>
-              <a:rPr lang="en-US" dirty="0"/>
-              <a:t> </a:t>
-            </a:r>
-            <a:endParaRPr lang="tr-TR" dirty="0"/>
-          </a:p>
-          <a:p>
-            <a:pPr marL="0" indent="0">
-              <a:buNone/>
-            </a:pPr>
-            <a:r>
-              <a:rPr lang="tr-TR" dirty="0"/>
-              <a:t>	</a:t>
-            </a:r>
-            <a:r>
-              <a:rPr lang="en-US" dirty="0"/>
-              <a:t>IF employee = office worker THEN</a:t>
-            </a:r>
-            <a:endParaRPr lang="tr-TR" dirty="0"/>
-          </a:p>
-          <a:p>
-            <a:pPr marL="0" indent="0">
-              <a:buNone/>
-            </a:pPr>
-            <a:r>
-              <a:rPr lang="tr-TR" dirty="0"/>
-              <a:t>	   </a:t>
-            </a:r>
-            <a:r>
-              <a:rPr lang="en-US" dirty="0"/>
-              <a:t> CALL </a:t>
-            </a:r>
-            <a:r>
-              <a:rPr lang="en-US" dirty="0" err="1"/>
-              <a:t>computeOfficeWorkerSalary</a:t>
-            </a:r>
-            <a:r>
-              <a:rPr lang="en-US" dirty="0"/>
-              <a:t> </a:t>
-            </a:r>
-            <a:endParaRPr lang="tr-TR" dirty="0"/>
-          </a:p>
-          <a:p>
-            <a:pPr marL="0" indent="0">
-              <a:buNone/>
-            </a:pPr>
-            <a:r>
-              <a:rPr lang="tr-TR" dirty="0"/>
-              <a:t>	</a:t>
-            </a:r>
-            <a:r>
-              <a:rPr lang="en-US" dirty="0"/>
-              <a:t>IF employee = production worker THEN</a:t>
-            </a:r>
-            <a:endParaRPr lang="tr-TR" dirty="0"/>
-          </a:p>
-          <a:p>
-            <a:pPr marL="0" indent="0">
-              <a:buNone/>
-            </a:pPr>
-            <a:r>
-              <a:rPr lang="tr-TR" dirty="0"/>
-              <a:t>	   </a:t>
-            </a:r>
-            <a:r>
-              <a:rPr lang="en-US" dirty="0"/>
-              <a:t> CALL </a:t>
-            </a:r>
-            <a:r>
-              <a:rPr lang="en-US" dirty="0" err="1"/>
-              <a:t>computeProductionWorkerSalary</a:t>
-            </a:r>
-            <a:r>
-              <a:rPr lang="en-US" dirty="0"/>
-              <a:t> </a:t>
-            </a:r>
-            <a:endParaRPr lang="tr-TR" dirty="0"/>
-          </a:p>
-          <a:p>
-            <a:pPr marL="0" indent="0">
-              <a:buNone/>
-            </a:pPr>
-            <a:r>
-              <a:rPr lang="tr-TR" dirty="0"/>
-              <a:t>	</a:t>
-            </a:r>
-            <a:r>
-              <a:rPr lang="en-US" dirty="0"/>
-              <a:t>IF employee = temporary office worker THEN </a:t>
-            </a:r>
-            <a:endParaRPr lang="tr-TR" dirty="0"/>
-          </a:p>
-          <a:p>
-            <a:pPr marL="0" indent="0">
-              <a:buNone/>
-            </a:pPr>
-            <a:r>
-              <a:rPr lang="tr-TR" dirty="0"/>
-              <a:t>	    </a:t>
-            </a:r>
-            <a:r>
-              <a:rPr lang="en-US" dirty="0"/>
-              <a:t>CALL </a:t>
-            </a:r>
-            <a:r>
-              <a:rPr lang="en-US" dirty="0" err="1"/>
-              <a:t>computeTemporaryOfficeWorkerSalary</a:t>
-            </a:r>
-            <a:r>
-              <a:rPr lang="en-US" dirty="0"/>
-              <a:t> </a:t>
-            </a:r>
-            <a:endParaRPr lang="tr-TR" dirty="0"/>
-          </a:p>
-          <a:p>
-            <a:pPr marL="0" indent="0">
-              <a:buNone/>
-            </a:pPr>
-            <a:r>
-              <a:rPr lang="tr-TR" dirty="0"/>
-              <a:t>	</a:t>
-            </a:r>
-            <a:r>
-              <a:rPr lang="en-US" dirty="0"/>
-              <a:t>IF employee = junior production worker THEN </a:t>
-            </a:r>
-            <a:endParaRPr lang="tr-TR" dirty="0"/>
-          </a:p>
-          <a:p>
-            <a:pPr marL="0" indent="0">
-              <a:buNone/>
-            </a:pPr>
-            <a:r>
-              <a:rPr lang="tr-TR" dirty="0"/>
-              <a:t>	    </a:t>
-            </a:r>
-            <a:r>
-              <a:rPr lang="en-US" dirty="0"/>
-              <a:t>CALL </a:t>
-            </a:r>
-            <a:r>
-              <a:rPr lang="en-US" dirty="0" err="1"/>
-              <a:t>computeJuniorProductionWorkerSalary</a:t>
-            </a:r>
-            <a:endParaRPr lang="tr-TR" dirty="0"/>
-          </a:p>
-          <a:p>
-            <a:pPr marL="0" indent="0">
-              <a:buNone/>
-            </a:pPr>
-            <a:r>
-              <a:rPr lang="en-US" dirty="0"/>
-              <a:t>END</a:t>
-            </a:r>
-            <a:endParaRPr lang="tr-TR" dirty="0"/>
-          </a:p>
-        </p:txBody>
-      </p:sp>
-      <p:sp>
-        <p:nvSpPr>
-          <p:cNvPr id="5" name="Date Placeholder 5">
-            <a:extLst>
-              <a:ext uri="{FF2B5EF4-FFF2-40B4-BE49-F238E27FC236}">
-                <a16:creationId xmlns:a16="http://schemas.microsoft.com/office/drawing/2014/main" id="{F0751687-922C-4419-B37C-E1742F5D6BAE}"/>
-              </a:ext>
-            </a:extLst>
-          </p:cNvPr>
-          <p:cNvSpPr>
-            <a:spLocks noGrp="1"/>
-          </p:cNvSpPr>
-          <p:nvPr>
-            <p:ph type="dt" sz="half" idx="10"/>
-          </p:nvPr>
-        </p:nvSpPr>
-        <p:spPr>
-          <a:xfrm>
-            <a:off x="7554138" y="330370"/>
-            <a:ext cx="3500715" cy="309201"/>
-          </a:xfrm>
-        </p:spPr>
-        <p:txBody>
-          <a:bodyPr/>
-          <a:lstStyle/>
-          <a:p>
-            <a:r>
-              <a:rPr lang="tr-TR" dirty="0"/>
-              <a:t>11.02.2020</a:t>
-            </a:r>
-          </a:p>
-        </p:txBody>
-      </p:sp>
-    </p:spTree>
-    <p:extLst>
-      <p:ext uri="{BB962C8B-B14F-4D97-AF65-F5344CB8AC3E}">
-        <p14:creationId xmlns:p14="http://schemas.microsoft.com/office/powerpoint/2010/main" val="1299264040"/>
-      </p:ext>
-    </p:extLst>
-  </p:cSld>
-  <p:clrMapOvr>
-    <a:masterClrMapping/>
-  </p:clrMapOvr>
-  <p:transition spd="slow">
-    <p:push dir="u"/>
-  </p:transition>
-</p:sld>
-</file>
-
-<file path=ppt/slides/slide25.xml><?xml version="1.0" encoding="utf-8"?>
-<p:sld xmlns:a="http://schemas.openxmlformats.org/drawingml/2006/main" xmlns:r="http://schemas.openxmlformats.org/officeDocument/2006/relationships" xmlns:p="http://schemas.openxmlformats.org/presentationml/2006/main">
-  <p:cSld>
-    <p:spTree>
-      <p:nvGrpSpPr>
-        <p:cNvPr id="1" name=""/>
-        <p:cNvGrpSpPr/>
-        <p:nvPr/>
-      </p:nvGrpSpPr>
-      <p:grpSpPr>
-        <a:xfrm>
-          <a:off x="0" y="0"/>
-          <a:ext cx="0" cy="0"/>
-          <a:chOff x="0" y="0"/>
-          <a:chExt cx="0" cy="0"/>
-        </a:xfrm>
-      </p:grpSpPr>
-      <p:sp>
-        <p:nvSpPr>
-          <p:cNvPr id="2" name="Title 1">
-            <a:extLst>
-              <a:ext uri="{FF2B5EF4-FFF2-40B4-BE49-F238E27FC236}">
-                <a16:creationId xmlns:a16="http://schemas.microsoft.com/office/drawing/2014/main" id="{3B26D2C4-BFBF-4051-905A-4E286790B144}"/>
-              </a:ext>
-            </a:extLst>
-          </p:cNvPr>
-          <p:cNvSpPr>
-            <a:spLocks noGrp="1"/>
-          </p:cNvSpPr>
-          <p:nvPr>
-            <p:ph type="title"/>
-          </p:nvPr>
-        </p:nvSpPr>
-        <p:spPr/>
-        <p:txBody>
-          <a:bodyPr/>
-          <a:lstStyle/>
-          <a:p>
-            <a:r>
-              <a:rPr lang="tr-TR" dirty="0"/>
-              <a:t>An Object-OrIented Approach</a:t>
-            </a:r>
-          </a:p>
-        </p:txBody>
-      </p:sp>
-      <p:sp>
-        <p:nvSpPr>
-          <p:cNvPr id="3" name="Content Placeholder 2">
-            <a:extLst>
-              <a:ext uri="{FF2B5EF4-FFF2-40B4-BE49-F238E27FC236}">
-                <a16:creationId xmlns:a16="http://schemas.microsoft.com/office/drawing/2014/main" id="{B076A2BE-D8A6-416F-946C-3EA484856FD1}"/>
-              </a:ext>
-            </a:extLst>
-          </p:cNvPr>
-          <p:cNvSpPr>
-            <a:spLocks noGrp="1"/>
-          </p:cNvSpPr>
-          <p:nvPr>
-            <p:ph idx="1"/>
-          </p:nvPr>
-        </p:nvSpPr>
-        <p:spPr/>
-        <p:txBody>
-          <a:bodyPr/>
-          <a:lstStyle/>
-          <a:p>
-            <a:r>
-              <a:rPr lang="en-US" dirty="0"/>
-              <a:t>The goal of OO analysis is to identify objects and classes that support the problem domain and system's requirements. </a:t>
-            </a:r>
-            <a:endParaRPr lang="tr-TR" dirty="0"/>
-          </a:p>
-          <a:p>
-            <a:r>
-              <a:rPr lang="tr-TR" dirty="0"/>
-              <a:t>Some of application’s classes</a:t>
-            </a:r>
-          </a:p>
-          <a:p>
-            <a:pPr lvl="1"/>
-            <a:r>
-              <a:rPr lang="tr-TR" dirty="0"/>
-              <a:t>Employee</a:t>
-            </a:r>
-          </a:p>
-          <a:p>
-            <a:pPr lvl="1"/>
-            <a:r>
-              <a:rPr lang="tr-TR" dirty="0"/>
-              <a:t>Manager</a:t>
-            </a:r>
-          </a:p>
-          <a:p>
-            <a:pPr lvl="1"/>
-            <a:r>
-              <a:rPr lang="tr-TR" dirty="0"/>
-              <a:t>Office Workers</a:t>
-            </a:r>
-          </a:p>
-          <a:p>
-            <a:pPr lvl="1"/>
-            <a:r>
-              <a:rPr lang="tr-TR" dirty="0"/>
-              <a:t>Production Workers </a:t>
-            </a:r>
-          </a:p>
-        </p:txBody>
-      </p:sp>
-      <p:sp>
-        <p:nvSpPr>
-          <p:cNvPr id="5" name="Date Placeholder 5">
-            <a:extLst>
-              <a:ext uri="{FF2B5EF4-FFF2-40B4-BE49-F238E27FC236}">
-                <a16:creationId xmlns:a16="http://schemas.microsoft.com/office/drawing/2014/main" id="{F0751687-922C-4419-B37C-E1742F5D6BAE}"/>
-              </a:ext>
-            </a:extLst>
-          </p:cNvPr>
-          <p:cNvSpPr>
-            <a:spLocks noGrp="1"/>
-          </p:cNvSpPr>
-          <p:nvPr>
-            <p:ph type="dt" sz="half" idx="10"/>
-          </p:nvPr>
-        </p:nvSpPr>
-        <p:spPr>
-          <a:xfrm>
-            <a:off x="7554138" y="330370"/>
-            <a:ext cx="3500715" cy="309201"/>
-          </a:xfrm>
-        </p:spPr>
-        <p:txBody>
-          <a:bodyPr/>
-          <a:lstStyle/>
-          <a:p>
-            <a:r>
-              <a:rPr lang="tr-TR" dirty="0"/>
-              <a:t>11.02.2020</a:t>
-            </a:r>
-          </a:p>
-        </p:txBody>
-      </p:sp>
-    </p:spTree>
-    <p:extLst>
-      <p:ext uri="{BB962C8B-B14F-4D97-AF65-F5344CB8AC3E}">
-        <p14:creationId xmlns:p14="http://schemas.microsoft.com/office/powerpoint/2010/main" val="630384730"/>
-      </p:ext>
-    </p:extLst>
-  </p:cSld>
-  <p:clrMapOvr>
-    <a:masterClrMapping/>
-  </p:clrMapOvr>
-  <p:transition spd="slow">
-    <p:push dir="u"/>
-  </p:transition>
-</p:sld>
-</file>
-
-<file path=ppt/slides/slide26.xml><?xml version="1.0" encoding="utf-8"?>
-<p:sld xmlns:a="http://schemas.openxmlformats.org/drawingml/2006/main" xmlns:r="http://schemas.openxmlformats.org/officeDocument/2006/relationships" xmlns:p="http://schemas.openxmlformats.org/presentationml/2006/main">
-  <p:cSld>
-    <p:spTree>
-      <p:nvGrpSpPr>
-        <p:cNvPr id="1" name=""/>
-        <p:cNvGrpSpPr/>
-        <p:nvPr/>
-      </p:nvGrpSpPr>
-      <p:grpSpPr>
-        <a:xfrm>
-          <a:off x="0" y="0"/>
-          <a:ext cx="0" cy="0"/>
-          <a:chOff x="0" y="0"/>
-          <a:chExt cx="0" cy="0"/>
-        </a:xfrm>
-      </p:grpSpPr>
-      <p:sp>
-        <p:nvSpPr>
-          <p:cNvPr id="2" name="Title 1">
-            <a:extLst>
-              <a:ext uri="{FF2B5EF4-FFF2-40B4-BE49-F238E27FC236}">
-                <a16:creationId xmlns:a16="http://schemas.microsoft.com/office/drawing/2014/main" id="{014D7D4A-2A63-442C-A249-955F0307392F}"/>
-              </a:ext>
-            </a:extLst>
-          </p:cNvPr>
-          <p:cNvSpPr>
-            <a:spLocks noGrp="1"/>
-          </p:cNvSpPr>
-          <p:nvPr>
-            <p:ph type="title"/>
-          </p:nvPr>
-        </p:nvSpPr>
-        <p:spPr/>
-        <p:txBody>
-          <a:bodyPr/>
-          <a:lstStyle/>
-          <a:p>
-            <a:r>
-              <a:rPr lang="tr-TR" dirty="0"/>
-              <a:t>Class HIERARCHY</a:t>
-            </a:r>
-          </a:p>
-        </p:txBody>
-      </p:sp>
-      <p:pic>
-        <p:nvPicPr>
-          <p:cNvPr id="4" name="Content Placeholder 3">
-            <a:extLst>
-              <a:ext uri="{FF2B5EF4-FFF2-40B4-BE49-F238E27FC236}">
-                <a16:creationId xmlns:a16="http://schemas.microsoft.com/office/drawing/2014/main" id="{39F2C321-281C-4B56-9780-85CAF43DA850}"/>
-              </a:ext>
-            </a:extLst>
-          </p:cNvPr>
-          <p:cNvPicPr>
-            <a:picLocks noGrp="1" noChangeAspect="1"/>
-          </p:cNvPicPr>
-          <p:nvPr>
-            <p:ph idx="1"/>
-          </p:nvPr>
-        </p:nvPicPr>
-        <p:blipFill>
-          <a:blip r:embed="rId2"/>
-          <a:stretch>
-            <a:fillRect/>
-          </a:stretch>
-        </p:blipFill>
-        <p:spPr>
-          <a:xfrm>
-            <a:off x="2296039" y="1969251"/>
-            <a:ext cx="7067880" cy="4084230"/>
-          </a:xfrm>
-          <a:prstGeom prst="rect">
-            <a:avLst/>
-          </a:prstGeom>
-        </p:spPr>
-      </p:pic>
-      <p:sp>
-        <p:nvSpPr>
-          <p:cNvPr id="5" name="Date Placeholder 5">
-            <a:extLst>
-              <a:ext uri="{FF2B5EF4-FFF2-40B4-BE49-F238E27FC236}">
-                <a16:creationId xmlns:a16="http://schemas.microsoft.com/office/drawing/2014/main" id="{F0751687-922C-4419-B37C-E1742F5D6BAE}"/>
-              </a:ext>
-            </a:extLst>
-          </p:cNvPr>
-          <p:cNvSpPr>
-            <a:spLocks noGrp="1"/>
-          </p:cNvSpPr>
-          <p:nvPr>
-            <p:ph type="dt" sz="half" idx="10"/>
-          </p:nvPr>
-        </p:nvSpPr>
-        <p:spPr>
-          <a:xfrm>
-            <a:off x="7554138" y="330370"/>
-            <a:ext cx="3500715" cy="309201"/>
-          </a:xfrm>
-        </p:spPr>
-        <p:txBody>
-          <a:bodyPr/>
-          <a:lstStyle/>
-          <a:p>
-            <a:r>
-              <a:rPr lang="tr-TR" dirty="0"/>
-              <a:t>11.02.2020</a:t>
-            </a:r>
-          </a:p>
-        </p:txBody>
-      </p:sp>
-    </p:spTree>
-    <p:extLst>
-      <p:ext uri="{BB962C8B-B14F-4D97-AF65-F5344CB8AC3E}">
-        <p14:creationId xmlns:p14="http://schemas.microsoft.com/office/powerpoint/2010/main" val="3548406781"/>
-      </p:ext>
-    </p:extLst>
-  </p:cSld>
-  <p:clrMapOvr>
-    <a:masterClrMapping/>
-  </p:clrMapOvr>
-  <p:transition spd="slow">
-    <p:push dir="u"/>
-  </p:transition>
-</p:sld>
-</file>
-
-<file path=ppt/slides/slide27.xml><?xml version="1.0" encoding="utf-8"?>
-<p:sld xmlns:a="http://schemas.openxmlformats.org/drawingml/2006/main" xmlns:r="http://schemas.openxmlformats.org/officeDocument/2006/relationships" xmlns:p="http://schemas.openxmlformats.org/presentationml/2006/main">
-  <p:cSld>
-    <p:spTree>
-      <p:nvGrpSpPr>
-        <p:cNvPr id="1" name=""/>
-        <p:cNvGrpSpPr/>
-        <p:nvPr/>
-      </p:nvGrpSpPr>
-      <p:grpSpPr>
-        <a:xfrm>
-          <a:off x="0" y="0"/>
-          <a:ext cx="0" cy="0"/>
-          <a:chOff x="0" y="0"/>
-          <a:chExt cx="0" cy="0"/>
-        </a:xfrm>
-      </p:grpSpPr>
-      <p:sp>
-        <p:nvSpPr>
-          <p:cNvPr id="2" name="Title 1">
-            <a:extLst>
-              <a:ext uri="{FF2B5EF4-FFF2-40B4-BE49-F238E27FC236}">
-                <a16:creationId xmlns:a16="http://schemas.microsoft.com/office/drawing/2014/main" id="{180149B4-1B61-4644-A5D8-2C3CF3C9B68E}"/>
-              </a:ext>
-            </a:extLst>
-          </p:cNvPr>
-          <p:cNvSpPr>
-            <a:spLocks noGrp="1"/>
-          </p:cNvSpPr>
-          <p:nvPr>
-            <p:ph type="title"/>
-          </p:nvPr>
-        </p:nvSpPr>
-        <p:spPr/>
-        <p:txBody>
-          <a:bodyPr/>
-          <a:lstStyle/>
-          <a:p>
-            <a:r>
-              <a:rPr lang="tr-TR" dirty="0"/>
-              <a:t>OO APPROACH</a:t>
-            </a:r>
-          </a:p>
-        </p:txBody>
-      </p:sp>
-      <p:sp>
-        <p:nvSpPr>
-          <p:cNvPr id="3" name="Content Placeholder 2">
-            <a:extLst>
-              <a:ext uri="{FF2B5EF4-FFF2-40B4-BE49-F238E27FC236}">
-                <a16:creationId xmlns:a16="http://schemas.microsoft.com/office/drawing/2014/main" id="{03BF0A8A-8871-4F0B-9997-6A400E8BD8BB}"/>
-              </a:ext>
-            </a:extLst>
-          </p:cNvPr>
-          <p:cNvSpPr>
-            <a:spLocks noGrp="1"/>
-          </p:cNvSpPr>
-          <p:nvPr>
-            <p:ph idx="1"/>
-          </p:nvPr>
-        </p:nvSpPr>
-        <p:spPr/>
-        <p:txBody>
-          <a:bodyPr/>
-          <a:lstStyle/>
-          <a:p>
-            <a:r>
-              <a:rPr lang="en-US" dirty="0"/>
-              <a:t>FOR EVERY EMPLOYEE DO </a:t>
-            </a:r>
-            <a:endParaRPr lang="tr-TR" dirty="0"/>
-          </a:p>
-          <a:p>
-            <a:pPr marL="457200" lvl="1" indent="0">
-              <a:buNone/>
-            </a:pPr>
-            <a:r>
-              <a:rPr lang="en-US" dirty="0"/>
-              <a:t>BEGIN </a:t>
-            </a:r>
-            <a:endParaRPr lang="tr-TR" dirty="0"/>
-          </a:p>
-          <a:p>
-            <a:pPr marL="457200" lvl="1" indent="0">
-              <a:buNone/>
-            </a:pPr>
-            <a:r>
-              <a:rPr lang="tr-TR" dirty="0"/>
-              <a:t>	</a:t>
-            </a:r>
-            <a:r>
-              <a:rPr lang="en-US" dirty="0"/>
-              <a:t>employee </a:t>
-            </a:r>
-            <a:r>
-              <a:rPr lang="en-US" dirty="0" err="1"/>
-              <a:t>computePayroll</a:t>
-            </a:r>
-            <a:r>
-              <a:rPr lang="en-US" dirty="0"/>
-              <a:t> </a:t>
-            </a:r>
-            <a:endParaRPr lang="tr-TR" dirty="0"/>
-          </a:p>
-          <a:p>
-            <a:pPr marL="457200" lvl="1" indent="0">
-              <a:buNone/>
-            </a:pPr>
-            <a:r>
-              <a:rPr lang="en-US" dirty="0"/>
-              <a:t>END</a:t>
-            </a:r>
-            <a:endParaRPr lang="tr-TR" dirty="0"/>
-          </a:p>
-        </p:txBody>
-      </p:sp>
-      <p:sp>
-        <p:nvSpPr>
-          <p:cNvPr id="5" name="Date Placeholder 5">
-            <a:extLst>
-              <a:ext uri="{FF2B5EF4-FFF2-40B4-BE49-F238E27FC236}">
-                <a16:creationId xmlns:a16="http://schemas.microsoft.com/office/drawing/2014/main" id="{F0751687-922C-4419-B37C-E1742F5D6BAE}"/>
-              </a:ext>
-            </a:extLst>
-          </p:cNvPr>
-          <p:cNvSpPr>
-            <a:spLocks noGrp="1"/>
-          </p:cNvSpPr>
-          <p:nvPr>
-            <p:ph type="dt" sz="half" idx="10"/>
-          </p:nvPr>
-        </p:nvSpPr>
-        <p:spPr>
-          <a:xfrm>
-            <a:off x="7554138" y="330370"/>
-            <a:ext cx="3500715" cy="309201"/>
-          </a:xfrm>
-        </p:spPr>
-        <p:txBody>
-          <a:bodyPr/>
-          <a:lstStyle/>
-          <a:p>
-            <a:r>
-              <a:rPr lang="tr-TR" dirty="0"/>
-              <a:t>11.02.2020</a:t>
-            </a:r>
-          </a:p>
-        </p:txBody>
-      </p:sp>
-    </p:spTree>
-    <p:extLst>
-      <p:ext uri="{BB962C8B-B14F-4D97-AF65-F5344CB8AC3E}">
-        <p14:creationId xmlns:p14="http://schemas.microsoft.com/office/powerpoint/2010/main" val="2282355217"/>
-      </p:ext>
-    </p:extLst>
-  </p:cSld>
-  <p:clrMapOvr>
-    <a:masterClrMapping/>
-  </p:clrMapOvr>
-  <p:transition spd="slow">
-    <p:push dir="u"/>
-  </p:transition>
-</p:sld>
-</file>
-
-<file path=ppt/slides/slide28.xml><?xml version="1.0" encoding="utf-8"?>
-<p:sld xmlns:a="http://schemas.openxmlformats.org/drawingml/2006/main" xmlns:r="http://schemas.openxmlformats.org/officeDocument/2006/relationships" xmlns:p="http://schemas.openxmlformats.org/presentationml/2006/main">
-  <p:cSld>
-    <p:spTree>
-      <p:nvGrpSpPr>
-        <p:cNvPr id="1" name=""/>
-        <p:cNvGrpSpPr/>
-        <p:nvPr/>
-      </p:nvGrpSpPr>
-      <p:grpSpPr>
-        <a:xfrm>
-          <a:off x="0" y="0"/>
-          <a:ext cx="0" cy="0"/>
-          <a:chOff x="0" y="0"/>
-          <a:chExt cx="0" cy="0"/>
-        </a:xfrm>
-      </p:grpSpPr>
-      <p:sp>
-        <p:nvSpPr>
-          <p:cNvPr id="2" name="Title 1">
-            <a:extLst>
-              <a:ext uri="{FF2B5EF4-FFF2-40B4-BE49-F238E27FC236}">
-                <a16:creationId xmlns:a16="http://schemas.microsoft.com/office/drawing/2014/main" id="{B1D3821D-E6E8-4F94-A49A-D01957EE2327}"/>
-              </a:ext>
-            </a:extLst>
-          </p:cNvPr>
-          <p:cNvSpPr>
-            <a:spLocks noGrp="1"/>
-          </p:cNvSpPr>
-          <p:nvPr>
-            <p:ph type="title"/>
-          </p:nvPr>
-        </p:nvSpPr>
-        <p:spPr/>
-        <p:txBody>
-          <a:bodyPr/>
-          <a:lstStyle/>
-          <a:p>
-            <a:r>
-              <a:rPr lang="en-US" dirty="0"/>
-              <a:t>If new types of employees were added…</a:t>
-            </a:r>
-            <a:endParaRPr lang="tr-TR" dirty="0"/>
-          </a:p>
-        </p:txBody>
-      </p:sp>
-      <p:pic>
-        <p:nvPicPr>
-          <p:cNvPr id="4" name="Content Placeholder 3">
-            <a:extLst>
-              <a:ext uri="{FF2B5EF4-FFF2-40B4-BE49-F238E27FC236}">
-                <a16:creationId xmlns:a16="http://schemas.microsoft.com/office/drawing/2014/main" id="{79C90202-C387-4DF3-AE10-FEF995CBBB43}"/>
-              </a:ext>
-            </a:extLst>
-          </p:cNvPr>
-          <p:cNvPicPr>
-            <a:picLocks noGrp="1" noChangeAspect="1"/>
-          </p:cNvPicPr>
-          <p:nvPr>
-            <p:ph idx="1"/>
-          </p:nvPr>
-        </p:nvPicPr>
-        <p:blipFill>
-          <a:blip r:embed="rId2"/>
-          <a:stretch>
-            <a:fillRect/>
-          </a:stretch>
-        </p:blipFill>
-        <p:spPr>
-          <a:xfrm>
-            <a:off x="2233637" y="1860223"/>
-            <a:ext cx="7566145" cy="4228697"/>
-          </a:xfrm>
-          <a:prstGeom prst="rect">
-            <a:avLst/>
-          </a:prstGeom>
-        </p:spPr>
-      </p:pic>
-      <p:sp>
-        <p:nvSpPr>
-          <p:cNvPr id="5" name="Date Placeholder 5">
-            <a:extLst>
-              <a:ext uri="{FF2B5EF4-FFF2-40B4-BE49-F238E27FC236}">
-                <a16:creationId xmlns:a16="http://schemas.microsoft.com/office/drawing/2014/main" id="{F0751687-922C-4419-B37C-E1742F5D6BAE}"/>
-              </a:ext>
-            </a:extLst>
-          </p:cNvPr>
-          <p:cNvSpPr>
-            <a:spLocks noGrp="1"/>
-          </p:cNvSpPr>
-          <p:nvPr>
-            <p:ph type="dt" sz="half" idx="10"/>
-          </p:nvPr>
-        </p:nvSpPr>
-        <p:spPr>
-          <a:xfrm>
-            <a:off x="7554138" y="330370"/>
-            <a:ext cx="3500715" cy="309201"/>
-          </a:xfrm>
-        </p:spPr>
-        <p:txBody>
-          <a:bodyPr/>
-          <a:lstStyle/>
-          <a:p>
-            <a:r>
-              <a:rPr lang="tr-TR" dirty="0"/>
-              <a:t>11.02.2020</a:t>
-            </a:r>
-          </a:p>
-        </p:txBody>
-      </p:sp>
-    </p:spTree>
-    <p:extLst>
-      <p:ext uri="{BB962C8B-B14F-4D97-AF65-F5344CB8AC3E}">
-        <p14:creationId xmlns:p14="http://schemas.microsoft.com/office/powerpoint/2010/main" val="2848569834"/>
-      </p:ext>
-    </p:extLst>
-  </p:cSld>
-  <p:clrMapOvr>
-    <a:masterClrMapping/>
-  </p:clrMapOvr>
-  <p:transition spd="slow">
-    <p:push dir="u"/>
-  </p:transition>
-</p:sld>
-</file>
-
-<file path=ppt/slides/slide29.xml><?xml version="1.0" encoding="utf-8"?>
-<p:sld xmlns:a="http://schemas.openxmlformats.org/drawingml/2006/main" xmlns:r="http://schemas.openxmlformats.org/officeDocument/2006/relationships" xmlns:p="http://schemas.openxmlformats.org/presentationml/2006/main">
-  <p:cSld>
-    <p:spTree>
-      <p:nvGrpSpPr>
-        <p:cNvPr id="1" name=""/>
-        <p:cNvGrpSpPr/>
-        <p:nvPr/>
-      </p:nvGrpSpPr>
-      <p:grpSpPr>
-        <a:xfrm>
-          <a:off x="0" y="0"/>
-          <a:ext cx="0" cy="0"/>
-          <a:chOff x="0" y="0"/>
-          <a:chExt cx="0" cy="0"/>
-        </a:xfrm>
-      </p:grpSpPr>
-      <p:sp>
-        <p:nvSpPr>
-          <p:cNvPr id="2" name="Title 1"/>
-          <p:cNvSpPr>
-            <a:spLocks noGrp="1"/>
-          </p:cNvSpPr>
-          <p:nvPr>
-            <p:ph type="title"/>
-          </p:nvPr>
-        </p:nvSpPr>
-        <p:spPr/>
-        <p:txBody>
-          <a:bodyPr/>
-          <a:lstStyle/>
-          <a:p>
-            <a:r>
-              <a:rPr lang="tr-TR" dirty="0" smtClean="0"/>
-              <a:t>Object </a:t>
-            </a:r>
-            <a:r>
-              <a:rPr lang="tr-TR" dirty="0" err="1" smtClean="0"/>
-              <a:t>Orıented</a:t>
-            </a:r>
-            <a:r>
-              <a:rPr lang="tr-TR" dirty="0" smtClean="0"/>
-              <a:t> </a:t>
-            </a:r>
-            <a:r>
-              <a:rPr lang="tr-TR" dirty="0" err="1" smtClean="0"/>
-              <a:t>desıgn</a:t>
-            </a:r>
-            <a:r>
-              <a:rPr lang="tr-TR" dirty="0" smtClean="0"/>
-              <a:t> </a:t>
-            </a:r>
-            <a:r>
-              <a:rPr lang="tr-TR" dirty="0" err="1" smtClean="0"/>
-              <a:t>prıncıples</a:t>
-            </a:r>
-            <a:endParaRPr lang="en-US" dirty="0"/>
-          </a:p>
-        </p:txBody>
-      </p:sp>
-      <p:sp>
-        <p:nvSpPr>
-          <p:cNvPr id="4" name="Date Placeholder 3"/>
-          <p:cNvSpPr>
-            <a:spLocks noGrp="1"/>
-          </p:cNvSpPr>
-          <p:nvPr>
-            <p:ph type="dt" sz="half" idx="10"/>
-          </p:nvPr>
-        </p:nvSpPr>
-        <p:spPr/>
-        <p:txBody>
-          <a:bodyPr/>
-          <a:lstStyle/>
-          <a:p>
-            <a:r>
-              <a:rPr lang="tr-TR" dirty="0"/>
-              <a:t>11.02.2020</a:t>
-            </a:r>
-          </a:p>
-          <a:p>
-            <a:endParaRPr lang="tr-TR" dirty="0"/>
-          </a:p>
-        </p:txBody>
-      </p:sp>
-      <p:pic>
-        <p:nvPicPr>
-          <p:cNvPr id="6" name="Picture 5"/>
-          <p:cNvPicPr>
-            <a:picLocks noChangeAspect="1"/>
-          </p:cNvPicPr>
-          <p:nvPr/>
-        </p:nvPicPr>
-        <p:blipFill>
-          <a:blip r:embed="rId2"/>
-          <a:stretch>
-            <a:fillRect/>
-          </a:stretch>
-        </p:blipFill>
-        <p:spPr>
-          <a:xfrm>
-            <a:off x="1451579" y="1853754"/>
-            <a:ext cx="5819775" cy="4210050"/>
-          </a:xfrm>
-          <a:prstGeom prst="rect">
-            <a:avLst/>
-          </a:prstGeom>
-        </p:spPr>
-      </p:pic>
-      <p:sp>
-        <p:nvSpPr>
-          <p:cNvPr id="7" name="Rectangle 6"/>
-          <p:cNvSpPr/>
-          <p:nvPr/>
-        </p:nvSpPr>
-        <p:spPr>
-          <a:xfrm>
-            <a:off x="7554138" y="2144431"/>
-            <a:ext cx="4518212" cy="2031325"/>
-          </a:xfrm>
-          <a:prstGeom prst="rect">
-            <a:avLst/>
-          </a:prstGeom>
-        </p:spPr>
-        <p:txBody>
-          <a:bodyPr wrap="square">
-            <a:spAutoFit/>
-          </a:bodyPr>
-          <a:lstStyle/>
-          <a:p>
-            <a:r>
-              <a:rPr lang="en-US" dirty="0"/>
-              <a:t> Manage complexity of a </a:t>
-            </a:r>
-            <a:r>
-              <a:rPr lang="en-US" dirty="0" smtClean="0"/>
-              <a:t>system</a:t>
-            </a:r>
-            <a:endParaRPr lang="tr-TR" dirty="0" smtClean="0"/>
-          </a:p>
-          <a:p>
-            <a:endParaRPr lang="tr-TR" dirty="0" smtClean="0"/>
-          </a:p>
-          <a:p>
-            <a:r>
-              <a:rPr lang="en-US" dirty="0" smtClean="0"/>
-              <a:t> </a:t>
-            </a:r>
-            <a:r>
-              <a:rPr lang="en-US" dirty="0"/>
-              <a:t>Improve software quality factors </a:t>
-            </a:r>
-            <a:endParaRPr lang="tr-TR" dirty="0" smtClean="0"/>
-          </a:p>
-          <a:p>
-            <a:endParaRPr lang="tr-TR" dirty="0" smtClean="0"/>
-          </a:p>
-          <a:p>
-            <a:r>
-              <a:rPr lang="en-US" dirty="0" smtClean="0"/>
-              <a:t> </a:t>
-            </a:r>
-            <a:r>
-              <a:rPr lang="en-US" dirty="0"/>
-              <a:t>Manage changes easily with minimum </a:t>
-            </a:r>
-            <a:r>
-              <a:rPr lang="en-US" dirty="0" smtClean="0"/>
-              <a:t>cost</a:t>
-            </a:r>
-            <a:endParaRPr lang="tr-TR" dirty="0" smtClean="0"/>
-          </a:p>
-          <a:p>
-            <a:endParaRPr lang="tr-TR" dirty="0" smtClean="0"/>
-          </a:p>
-          <a:p>
-            <a:r>
-              <a:rPr lang="en-US" dirty="0" smtClean="0"/>
-              <a:t> </a:t>
-            </a:r>
-            <a:r>
-              <a:rPr lang="en-US" dirty="0"/>
-              <a:t>Facilitate reusability</a:t>
-            </a:r>
-          </a:p>
-        </p:txBody>
-      </p:sp>
-    </p:spTree>
-    <p:extLst>
-      <p:ext uri="{BB962C8B-B14F-4D97-AF65-F5344CB8AC3E}">
-        <p14:creationId xmlns:p14="http://schemas.microsoft.com/office/powerpoint/2010/main" val="3489662203"/>
-      </p:ext>
-    </p:extLst>
-  </p:cSld>
-  <p:clrMapOvr>
-    <a:masterClrMapping/>
-  </p:clrMapOvr>
-  <p:transition spd="slow">
-    <p:push dir="u"/>
-  </p:transition>
-</p:sld>
-</file>
-
-<file path=ppt/slides/slide3.xml><?xml version="1.0" encoding="utf-8"?>
-<p:sld xmlns:a="http://schemas.openxmlformats.org/drawingml/2006/main" xmlns:r="http://schemas.openxmlformats.org/officeDocument/2006/relationships" xmlns:p="http://schemas.openxmlformats.org/presentationml/2006/main">
-  <p:cSld>
-    <p:spTree>
-      <p:nvGrpSpPr>
-        <p:cNvPr id="1" name=""/>
-        <p:cNvGrpSpPr/>
-        <p:nvPr/>
-      </p:nvGrpSpPr>
-      <p:grpSpPr>
-        <a:xfrm>
-          <a:off x="0" y="0"/>
-          <a:ext cx="0" cy="0"/>
-          <a:chOff x="0" y="0"/>
-          <a:chExt cx="0" cy="0"/>
-        </a:xfrm>
-      </p:grpSpPr>
-      <p:sp>
-        <p:nvSpPr>
-          <p:cNvPr id="2" name="Unvan 1">
-            <a:extLst>
-              <a:ext uri="{FF2B5EF4-FFF2-40B4-BE49-F238E27FC236}">
-                <a16:creationId xmlns:a16="http://schemas.microsoft.com/office/drawing/2014/main" id="{0900DD59-2566-423F-8EAB-187665DD9F42}"/>
-              </a:ext>
-            </a:extLst>
-          </p:cNvPr>
-          <p:cNvSpPr>
-            <a:spLocks noGrp="1"/>
-          </p:cNvSpPr>
-          <p:nvPr>
-            <p:ph type="title"/>
-          </p:nvPr>
-        </p:nvSpPr>
-        <p:spPr>
-          <a:xfrm>
-            <a:off x="1451579" y="804520"/>
-            <a:ext cx="9491241" cy="787444"/>
-          </a:xfrm>
-          <a:ln>
-            <a:noFill/>
-          </a:ln>
-        </p:spPr>
-        <p:txBody>
-          <a:bodyPr>
-            <a:normAutofit fontScale="90000"/>
-          </a:bodyPr>
-          <a:lstStyle/>
-          <a:p>
-            <a:pPr algn="ctr"/>
-            <a:r>
-              <a:rPr lang="tr-TR" dirty="0"/>
-              <a:t>SOFTWARE DesIgn Approaches</a:t>
-            </a:r>
-            <a:r>
-              <a:rPr lang="tr-TR" i="1" dirty="0"/>
-              <a:t/>
-            </a:r>
-            <a:br>
-              <a:rPr lang="tr-TR" i="1" dirty="0"/>
-            </a:br>
-            <a:endParaRPr lang="tr-TR" b="1" i="1" dirty="0"/>
-          </a:p>
-        </p:txBody>
-      </p:sp>
-      <p:sp>
-        <p:nvSpPr>
-          <p:cNvPr id="6" name="İçerik Yer Tutucusu 5">
-            <a:extLst>
-              <a:ext uri="{FF2B5EF4-FFF2-40B4-BE49-F238E27FC236}">
-                <a16:creationId xmlns:a16="http://schemas.microsoft.com/office/drawing/2014/main" id="{3612B575-5451-47D6-94CD-643E068AB637}"/>
-              </a:ext>
-            </a:extLst>
-          </p:cNvPr>
-          <p:cNvSpPr>
-            <a:spLocks noGrp="1"/>
-          </p:cNvSpPr>
-          <p:nvPr>
-            <p:ph idx="4294967295"/>
-          </p:nvPr>
-        </p:nvSpPr>
-        <p:spPr>
-          <a:xfrm>
-            <a:off x="1544533" y="1683401"/>
-            <a:ext cx="10647467" cy="3807761"/>
-          </a:xfrm>
-        </p:spPr>
-        <p:txBody>
-          <a:bodyPr>
-            <a:normAutofit/>
-          </a:bodyPr>
-          <a:lstStyle/>
-          <a:p>
-            <a:endParaRPr lang="tr-TR" dirty="0"/>
-          </a:p>
-          <a:p>
-            <a:r>
-              <a:rPr lang="tr-TR" dirty="0"/>
-              <a:t> Data Flow Chart Approach</a:t>
-            </a:r>
-          </a:p>
-          <a:p>
-            <a:pPr lvl="1"/>
-            <a:r>
-              <a:rPr lang="tr-TR" dirty="0"/>
-              <a:t>Thinking the algorithm with diagrams</a:t>
-            </a:r>
-          </a:p>
-          <a:p>
-            <a:r>
-              <a:rPr lang="tr-TR" dirty="0"/>
-              <a:t>Data Structure Approach</a:t>
-            </a:r>
-          </a:p>
-          <a:p>
-            <a:pPr lvl="1"/>
-            <a:r>
-              <a:rPr lang="tr-TR" dirty="0"/>
-              <a:t>Deciding the correct data structure for the data which will be used in project.</a:t>
-            </a:r>
-          </a:p>
-          <a:p>
-            <a:r>
-              <a:rPr lang="tr-TR" dirty="0"/>
-              <a:t>Object Oriented Approach</a:t>
-            </a:r>
-          </a:p>
-          <a:p>
-            <a:pPr lvl="1"/>
-            <a:r>
-              <a:rPr lang="tr-TR" dirty="0"/>
-              <a:t>Model this real world problem with the objects and communication messages between objects.</a:t>
-            </a:r>
-          </a:p>
-        </p:txBody>
-      </p:sp>
-      <p:sp>
-        <p:nvSpPr>
-          <p:cNvPr id="10" name="Dikdörtgen 9">
-            <a:extLst>
-              <a:ext uri="{FF2B5EF4-FFF2-40B4-BE49-F238E27FC236}">
-                <a16:creationId xmlns:a16="http://schemas.microsoft.com/office/drawing/2014/main" id="{BA238E6D-D6F2-4C6C-855C-674D36A63C58}"/>
-              </a:ext>
-            </a:extLst>
-          </p:cNvPr>
-          <p:cNvSpPr/>
-          <p:nvPr/>
-        </p:nvSpPr>
-        <p:spPr>
-          <a:xfrm>
-            <a:off x="1258631" y="2554911"/>
-            <a:ext cx="4644421" cy="369332"/>
-          </a:xfrm>
-          <a:prstGeom prst="rect">
-            <a:avLst/>
-          </a:prstGeom>
-        </p:spPr>
-        <p:txBody>
-          <a:bodyPr wrap="square">
-            <a:spAutoFit/>
-          </a:bodyPr>
-          <a:lstStyle/>
-          <a:p>
-            <a:r>
-              <a:rPr lang="tr-TR" dirty="0"/>
-              <a:t>		</a:t>
-            </a:r>
-          </a:p>
-        </p:txBody>
-      </p:sp>
-      <p:sp>
-        <p:nvSpPr>
-          <p:cNvPr id="7" name="Date Placeholder 5">
-            <a:extLst>
-              <a:ext uri="{FF2B5EF4-FFF2-40B4-BE49-F238E27FC236}">
-                <a16:creationId xmlns:a16="http://schemas.microsoft.com/office/drawing/2014/main" id="{F0751687-922C-4419-B37C-E1742F5D6BAE}"/>
-              </a:ext>
-            </a:extLst>
-          </p:cNvPr>
-          <p:cNvSpPr>
-            <a:spLocks noGrp="1"/>
-          </p:cNvSpPr>
-          <p:nvPr>
-            <p:ph type="dt" sz="half" idx="10"/>
-          </p:nvPr>
-        </p:nvSpPr>
-        <p:spPr>
-          <a:xfrm>
-            <a:off x="7554138" y="330370"/>
-            <a:ext cx="3500715" cy="309201"/>
-          </a:xfrm>
-        </p:spPr>
-        <p:txBody>
-          <a:bodyPr/>
-          <a:lstStyle/>
-          <a:p>
-            <a:r>
-              <a:rPr lang="tr-TR" dirty="0"/>
-              <a:t>11.02.2020</a:t>
-            </a:r>
-          </a:p>
-        </p:txBody>
-      </p:sp>
-    </p:spTree>
-    <p:extLst>
-      <p:ext uri="{BB962C8B-B14F-4D97-AF65-F5344CB8AC3E}">
-        <p14:creationId xmlns:p14="http://schemas.microsoft.com/office/powerpoint/2010/main" val="3508277624"/>
-      </p:ext>
-    </p:extLst>
-  </p:cSld>
-  <p:clrMapOvr>
-    <a:masterClrMapping/>
-  </p:clrMapOvr>
-  <p:transition spd="slow">
-    <p:push dir="u"/>
-  </p:transition>
-</p:sld>
-</file>
-
-<file path=ppt/slides/slide30.xml><?xml version="1.0" encoding="utf-8"?>
-<p:sld xmlns:a="http://schemas.openxmlformats.org/drawingml/2006/main" xmlns:r="http://schemas.openxmlformats.org/officeDocument/2006/relationships" xmlns:p="http://schemas.openxmlformats.org/presentationml/2006/main">
-  <p:cSld>
-    <p:spTree>
-      <p:nvGrpSpPr>
-        <p:cNvPr id="1" name=""/>
-        <p:cNvGrpSpPr/>
-        <p:nvPr/>
-      </p:nvGrpSpPr>
-      <p:grpSpPr>
-        <a:xfrm>
-          <a:off x="0" y="0"/>
-          <a:ext cx="0" cy="0"/>
-          <a:chOff x="0" y="0"/>
-          <a:chExt cx="0" cy="0"/>
-        </a:xfrm>
-      </p:grpSpPr>
-      <p:sp>
-        <p:nvSpPr>
-          <p:cNvPr id="2" name="Title 1"/>
-          <p:cNvSpPr>
-            <a:spLocks noGrp="1"/>
-          </p:cNvSpPr>
-          <p:nvPr>
-            <p:ph type="title"/>
-          </p:nvPr>
-        </p:nvSpPr>
-        <p:spPr/>
-        <p:txBody>
-          <a:bodyPr/>
-          <a:lstStyle/>
-          <a:p>
-            <a:r>
-              <a:rPr lang="en-US" dirty="0"/>
-              <a:t>Single Responsibility Principle (SRP) </a:t>
-            </a:r>
-          </a:p>
-        </p:txBody>
-      </p:sp>
-      <p:sp>
-        <p:nvSpPr>
-          <p:cNvPr id="3" name="Content Placeholder 2"/>
-          <p:cNvSpPr>
-            <a:spLocks noGrp="1"/>
-          </p:cNvSpPr>
-          <p:nvPr>
-            <p:ph idx="1"/>
-          </p:nvPr>
-        </p:nvSpPr>
-        <p:spPr/>
-        <p:txBody>
-          <a:bodyPr/>
-          <a:lstStyle/>
-          <a:p>
-            <a:r>
-              <a:rPr lang="en-US" dirty="0"/>
-              <a:t>There should never be more than one reason for a class to change.</a:t>
-            </a:r>
-          </a:p>
-        </p:txBody>
-      </p:sp>
-      <p:sp>
-        <p:nvSpPr>
-          <p:cNvPr id="4" name="Date Placeholder 3"/>
-          <p:cNvSpPr>
-            <a:spLocks noGrp="1"/>
-          </p:cNvSpPr>
-          <p:nvPr>
-            <p:ph type="dt" sz="half" idx="10"/>
-          </p:nvPr>
-        </p:nvSpPr>
-        <p:spPr/>
-        <p:txBody>
-          <a:bodyPr/>
-          <a:lstStyle/>
-          <a:p>
-            <a:r>
-              <a:rPr lang="tr-TR" dirty="0" smtClean="0"/>
-              <a:t>11</a:t>
-            </a:r>
-            <a:r>
-              <a:rPr lang="tr-TR" dirty="0" smtClean="0"/>
-              <a:t>.02.2020</a:t>
-            </a:r>
-            <a:endParaRPr lang="tr-TR" dirty="0"/>
-          </a:p>
-        </p:txBody>
-      </p:sp>
-      <p:pic>
-        <p:nvPicPr>
-          <p:cNvPr id="5" name="Picture 4"/>
-          <p:cNvPicPr>
-            <a:picLocks noChangeAspect="1"/>
-          </p:cNvPicPr>
-          <p:nvPr/>
-        </p:nvPicPr>
-        <p:blipFill>
-          <a:blip r:embed="rId2"/>
-          <a:stretch>
-            <a:fillRect/>
-          </a:stretch>
-        </p:blipFill>
-        <p:spPr>
-          <a:xfrm>
-            <a:off x="2116231" y="2494430"/>
-            <a:ext cx="6991350" cy="3429000"/>
-          </a:xfrm>
-          <a:prstGeom prst="rect">
-            <a:avLst/>
-          </a:prstGeom>
-        </p:spPr>
-      </p:pic>
-    </p:spTree>
-    <p:extLst>
-      <p:ext uri="{BB962C8B-B14F-4D97-AF65-F5344CB8AC3E}">
-        <p14:creationId xmlns:p14="http://schemas.microsoft.com/office/powerpoint/2010/main" val="641626156"/>
-      </p:ext>
-    </p:extLst>
-  </p:cSld>
-  <p:clrMapOvr>
-    <a:masterClrMapping/>
-  </p:clrMapOvr>
-  <p:transition spd="slow">
-    <p:push dir="u"/>
-  </p:transition>
-</p:sld>
-</file>
-
-<file path=ppt/slides/slide31.xml><?xml version="1.0" encoding="utf-8"?>
-<p:sld xmlns:a="http://schemas.openxmlformats.org/drawingml/2006/main" xmlns:r="http://schemas.openxmlformats.org/officeDocument/2006/relationships" xmlns:p="http://schemas.openxmlformats.org/presentationml/2006/main">
-  <p:cSld>
-    <p:spTree>
-      <p:nvGrpSpPr>
-        <p:cNvPr id="1" name=""/>
-        <p:cNvGrpSpPr/>
-        <p:nvPr/>
-      </p:nvGrpSpPr>
-      <p:grpSpPr>
-        <a:xfrm>
-          <a:off x="0" y="0"/>
-          <a:ext cx="0" cy="0"/>
-          <a:chOff x="0" y="0"/>
-          <a:chExt cx="0" cy="0"/>
-        </a:xfrm>
-      </p:grpSpPr>
-      <p:sp>
-        <p:nvSpPr>
-          <p:cNvPr id="2" name="Title 1"/>
-          <p:cNvSpPr>
-            <a:spLocks noGrp="1"/>
-          </p:cNvSpPr>
-          <p:nvPr>
-            <p:ph type="title"/>
-          </p:nvPr>
-        </p:nvSpPr>
-        <p:spPr/>
-        <p:txBody>
-          <a:bodyPr/>
-          <a:lstStyle/>
-          <a:p>
-            <a:r>
-              <a:rPr lang="en-US" dirty="0"/>
-              <a:t>Single Responsibility Principle (SRP) </a:t>
-            </a:r>
-          </a:p>
-        </p:txBody>
-      </p:sp>
-      <p:pic>
-        <p:nvPicPr>
-          <p:cNvPr id="5" name="Content Placeholder 4"/>
-          <p:cNvPicPr>
-            <a:picLocks noGrp="1" noChangeAspect="1"/>
-          </p:cNvPicPr>
-          <p:nvPr>
-            <p:ph idx="1"/>
-          </p:nvPr>
-        </p:nvPicPr>
-        <p:blipFill>
-          <a:blip r:embed="rId2"/>
-          <a:stretch>
-            <a:fillRect/>
-          </a:stretch>
-        </p:blipFill>
-        <p:spPr>
-          <a:xfrm>
-            <a:off x="3258807" y="2016125"/>
-            <a:ext cx="5988711" cy="3449638"/>
-          </a:xfrm>
-          <a:prstGeom prst="rect">
-            <a:avLst/>
-          </a:prstGeom>
-        </p:spPr>
-      </p:pic>
-      <p:sp>
-        <p:nvSpPr>
-          <p:cNvPr id="4" name="Date Placeholder 3"/>
-          <p:cNvSpPr>
-            <a:spLocks noGrp="1"/>
-          </p:cNvSpPr>
-          <p:nvPr>
-            <p:ph type="dt" sz="half" idx="10"/>
-          </p:nvPr>
-        </p:nvSpPr>
-        <p:spPr/>
-        <p:txBody>
-          <a:bodyPr/>
-          <a:lstStyle/>
-          <a:p>
-            <a:r>
-              <a:rPr lang="tr-TR" dirty="0"/>
-              <a:t>11.02.2020</a:t>
-            </a:r>
-            <a:endParaRPr lang="tr-TR" dirty="0"/>
-          </a:p>
-        </p:txBody>
-      </p:sp>
-    </p:spTree>
-    <p:extLst>
-      <p:ext uri="{BB962C8B-B14F-4D97-AF65-F5344CB8AC3E}">
-        <p14:creationId xmlns:p14="http://schemas.microsoft.com/office/powerpoint/2010/main" val="378059188"/>
-      </p:ext>
-    </p:extLst>
-  </p:cSld>
-  <p:clrMapOvr>
-    <a:masterClrMapping/>
-  </p:clrMapOvr>
-  <p:transition spd="slow">
-    <p:push dir="u"/>
-  </p:transition>
-</p:sld>
-</file>
-
-<file path=ppt/slides/slide32.xml><?xml version="1.0" encoding="utf-8"?>
-<p:sld xmlns:a="http://schemas.openxmlformats.org/drawingml/2006/main" xmlns:r="http://schemas.openxmlformats.org/officeDocument/2006/relationships" xmlns:p="http://schemas.openxmlformats.org/presentationml/2006/main">
-  <p:cSld>
-    <p:spTree>
-      <p:nvGrpSpPr>
-        <p:cNvPr id="1" name=""/>
-        <p:cNvGrpSpPr/>
-        <p:nvPr/>
-      </p:nvGrpSpPr>
-      <p:grpSpPr>
-        <a:xfrm>
-          <a:off x="0" y="0"/>
-          <a:ext cx="0" cy="0"/>
-          <a:chOff x="0" y="0"/>
-          <a:chExt cx="0" cy="0"/>
-        </a:xfrm>
-      </p:grpSpPr>
-      <p:sp>
-        <p:nvSpPr>
-          <p:cNvPr id="2" name="Title 1"/>
-          <p:cNvSpPr>
-            <a:spLocks noGrp="1"/>
-          </p:cNvSpPr>
-          <p:nvPr>
-            <p:ph type="title"/>
-          </p:nvPr>
-        </p:nvSpPr>
-        <p:spPr/>
-        <p:txBody>
-          <a:bodyPr/>
-          <a:lstStyle/>
-          <a:p>
-            <a:r>
-              <a:rPr lang="tr-TR" dirty="0" smtClean="0"/>
-              <a:t>Open/</a:t>
-            </a:r>
-            <a:r>
-              <a:rPr lang="tr-TR" dirty="0" err="1" smtClean="0"/>
-              <a:t>closed</a:t>
-            </a:r>
-            <a:r>
-              <a:rPr lang="tr-TR" dirty="0" smtClean="0"/>
-              <a:t> </a:t>
-            </a:r>
-            <a:r>
-              <a:rPr lang="tr-TR" dirty="0" err="1" smtClean="0"/>
-              <a:t>prıncıple</a:t>
-            </a:r>
-            <a:r>
-              <a:rPr lang="tr-TR" dirty="0" smtClean="0"/>
-              <a:t> (</a:t>
-            </a:r>
-            <a:r>
-              <a:rPr lang="tr-TR" dirty="0" err="1" smtClean="0"/>
-              <a:t>Ocp</a:t>
-            </a:r>
-            <a:r>
-              <a:rPr lang="tr-TR" dirty="0" smtClean="0"/>
-              <a:t>)</a:t>
-            </a:r>
-            <a:endParaRPr lang="en-US" dirty="0"/>
-          </a:p>
-        </p:txBody>
-      </p:sp>
-      <p:sp>
-        <p:nvSpPr>
-          <p:cNvPr id="3" name="Content Placeholder 2"/>
-          <p:cNvSpPr>
-            <a:spLocks noGrp="1"/>
-          </p:cNvSpPr>
-          <p:nvPr>
-            <p:ph idx="1"/>
-          </p:nvPr>
-        </p:nvSpPr>
-        <p:spPr/>
-        <p:txBody>
-          <a:bodyPr/>
-          <a:lstStyle/>
-          <a:p>
-            <a:r>
-              <a:rPr lang="en-US" dirty="0"/>
-              <a:t>A module should be open for extension but closed for </a:t>
-            </a:r>
-            <a:r>
-              <a:rPr lang="en-US" dirty="0" smtClean="0"/>
-              <a:t>modification</a:t>
-            </a:r>
-            <a:endParaRPr lang="tr-TR" dirty="0" smtClean="0"/>
-          </a:p>
-          <a:p>
-            <a:endParaRPr lang="en-US" dirty="0"/>
-          </a:p>
-        </p:txBody>
-      </p:sp>
-      <p:sp>
-        <p:nvSpPr>
-          <p:cNvPr id="4" name="Date Placeholder 3"/>
-          <p:cNvSpPr>
-            <a:spLocks noGrp="1"/>
-          </p:cNvSpPr>
-          <p:nvPr>
-            <p:ph type="dt" sz="half" idx="10"/>
-          </p:nvPr>
-        </p:nvSpPr>
-        <p:spPr/>
-        <p:txBody>
-          <a:bodyPr/>
-          <a:lstStyle/>
-          <a:p>
-            <a:r>
-              <a:rPr lang="tr-TR" dirty="0"/>
-              <a:t>11.02.2020</a:t>
-            </a:r>
-            <a:endParaRPr lang="tr-TR" dirty="0"/>
-          </a:p>
-        </p:txBody>
-      </p:sp>
-      <p:pic>
-        <p:nvPicPr>
-          <p:cNvPr id="6" name="Picture 5"/>
-          <p:cNvPicPr>
-            <a:picLocks noChangeAspect="1"/>
-          </p:cNvPicPr>
-          <p:nvPr/>
-        </p:nvPicPr>
-        <p:blipFill>
-          <a:blip r:embed="rId2"/>
-          <a:stretch>
-            <a:fillRect/>
-          </a:stretch>
-        </p:blipFill>
-        <p:spPr>
-          <a:xfrm>
-            <a:off x="2788303" y="2527399"/>
-            <a:ext cx="6319837" cy="3228222"/>
-          </a:xfrm>
-          <a:prstGeom prst="rect">
-            <a:avLst/>
-          </a:prstGeom>
-        </p:spPr>
-      </p:pic>
-    </p:spTree>
-    <p:extLst>
-      <p:ext uri="{BB962C8B-B14F-4D97-AF65-F5344CB8AC3E}">
-        <p14:creationId xmlns:p14="http://schemas.microsoft.com/office/powerpoint/2010/main" val="432798507"/>
-      </p:ext>
-    </p:extLst>
-  </p:cSld>
-  <p:clrMapOvr>
-    <a:masterClrMapping/>
-  </p:clrMapOvr>
-  <p:transition spd="slow">
-    <p:push dir="u"/>
-  </p:transition>
-</p:sld>
-</file>
-
-<file path=ppt/slides/slide33.xml><?xml version="1.0" encoding="utf-8"?>
-<p:sld xmlns:a="http://schemas.openxmlformats.org/drawingml/2006/main" xmlns:r="http://schemas.openxmlformats.org/officeDocument/2006/relationships" xmlns:p="http://schemas.openxmlformats.org/presentationml/2006/main">
-  <p:cSld>
-    <p:spTree>
-      <p:nvGrpSpPr>
-        <p:cNvPr id="1" name=""/>
-        <p:cNvGrpSpPr/>
-        <p:nvPr/>
-      </p:nvGrpSpPr>
-      <p:grpSpPr>
-        <a:xfrm>
-          <a:off x="0" y="0"/>
-          <a:ext cx="0" cy="0"/>
-          <a:chOff x="0" y="0"/>
-          <a:chExt cx="0" cy="0"/>
-        </a:xfrm>
-      </p:grpSpPr>
-      <p:sp>
-        <p:nvSpPr>
-          <p:cNvPr id="2" name="Title 1"/>
-          <p:cNvSpPr>
-            <a:spLocks noGrp="1"/>
-          </p:cNvSpPr>
-          <p:nvPr>
-            <p:ph type="title"/>
-          </p:nvPr>
-        </p:nvSpPr>
-        <p:spPr/>
-        <p:txBody>
-          <a:bodyPr/>
-          <a:lstStyle/>
-          <a:p>
-            <a:r>
-              <a:rPr lang="en-US" dirty="0" err="1"/>
-              <a:t>Liskov</a:t>
-            </a:r>
-            <a:r>
-              <a:rPr lang="en-US" dirty="0"/>
-              <a:t> Substitution Principle (LSP)</a:t>
-            </a:r>
-          </a:p>
-        </p:txBody>
-      </p:sp>
-      <p:sp>
-        <p:nvSpPr>
-          <p:cNvPr id="3" name="Content Placeholder 2"/>
-          <p:cNvSpPr>
-            <a:spLocks noGrp="1"/>
-          </p:cNvSpPr>
-          <p:nvPr>
-            <p:ph idx="1"/>
-          </p:nvPr>
-        </p:nvSpPr>
-        <p:spPr/>
-        <p:txBody>
-          <a:bodyPr/>
-          <a:lstStyle/>
-          <a:p>
-            <a:r>
-              <a:rPr lang="en-US" dirty="0"/>
-              <a:t>Subclasses should be substitutable for their base classes.</a:t>
-            </a:r>
-          </a:p>
-        </p:txBody>
-      </p:sp>
-      <p:sp>
-        <p:nvSpPr>
-          <p:cNvPr id="4" name="Date Placeholder 3"/>
-          <p:cNvSpPr>
-            <a:spLocks noGrp="1"/>
-          </p:cNvSpPr>
-          <p:nvPr>
-            <p:ph type="dt" sz="half" idx="10"/>
-          </p:nvPr>
-        </p:nvSpPr>
-        <p:spPr/>
-        <p:txBody>
-          <a:bodyPr/>
-          <a:lstStyle/>
-          <a:p>
-            <a:r>
-              <a:rPr lang="tr-TR" dirty="0"/>
-              <a:t>11.02.2020</a:t>
-            </a:r>
-            <a:endParaRPr lang="tr-TR" dirty="0"/>
-          </a:p>
-        </p:txBody>
-      </p:sp>
-      <p:pic>
-        <p:nvPicPr>
-          <p:cNvPr id="5" name="Picture 4"/>
-          <p:cNvPicPr>
-            <a:picLocks noChangeAspect="1"/>
-          </p:cNvPicPr>
-          <p:nvPr/>
-        </p:nvPicPr>
-        <p:blipFill>
-          <a:blip r:embed="rId2"/>
-          <a:stretch>
-            <a:fillRect/>
-          </a:stretch>
-        </p:blipFill>
-        <p:spPr>
-          <a:xfrm>
-            <a:off x="3120558" y="2522759"/>
-            <a:ext cx="4875960" cy="3422801"/>
-          </a:xfrm>
-          <a:prstGeom prst="rect">
-            <a:avLst/>
-          </a:prstGeom>
-        </p:spPr>
-      </p:pic>
-    </p:spTree>
-    <p:extLst>
-      <p:ext uri="{BB962C8B-B14F-4D97-AF65-F5344CB8AC3E}">
-        <p14:creationId xmlns:p14="http://schemas.microsoft.com/office/powerpoint/2010/main" val="1794453938"/>
-      </p:ext>
-    </p:extLst>
-  </p:cSld>
-  <p:clrMapOvr>
-    <a:masterClrMapping/>
-  </p:clrMapOvr>
-  <p:transition spd="slow">
-    <p:push dir="u"/>
-  </p:transition>
-</p:sld>
-</file>
-
-<file path=ppt/slides/slide34.xml><?xml version="1.0" encoding="utf-8"?>
-<p:sld xmlns:a="http://schemas.openxmlformats.org/drawingml/2006/main" xmlns:r="http://schemas.openxmlformats.org/officeDocument/2006/relationships" xmlns:p="http://schemas.openxmlformats.org/presentationml/2006/main">
-  <p:cSld>
-    <p:spTree>
-      <p:nvGrpSpPr>
-        <p:cNvPr id="1" name=""/>
-        <p:cNvGrpSpPr/>
-        <p:nvPr/>
-      </p:nvGrpSpPr>
-      <p:grpSpPr>
-        <a:xfrm>
-          <a:off x="0" y="0"/>
-          <a:ext cx="0" cy="0"/>
-          <a:chOff x="0" y="0"/>
-          <a:chExt cx="0" cy="0"/>
-        </a:xfrm>
-      </p:grpSpPr>
-      <p:sp>
-        <p:nvSpPr>
-          <p:cNvPr id="2" name="Title 1"/>
-          <p:cNvSpPr>
-            <a:spLocks noGrp="1"/>
-          </p:cNvSpPr>
-          <p:nvPr>
-            <p:ph type="title"/>
-          </p:nvPr>
-        </p:nvSpPr>
-        <p:spPr/>
-        <p:txBody>
-          <a:bodyPr/>
-          <a:lstStyle/>
-          <a:p>
-            <a:r>
-              <a:rPr lang="en-US" dirty="0"/>
-              <a:t>Interface Segregation Principle (ISP) </a:t>
-            </a:r>
-          </a:p>
-        </p:txBody>
-      </p:sp>
-      <p:sp>
-        <p:nvSpPr>
-          <p:cNvPr id="3" name="Content Placeholder 2"/>
-          <p:cNvSpPr>
-            <a:spLocks noGrp="1"/>
-          </p:cNvSpPr>
-          <p:nvPr>
-            <p:ph idx="1"/>
-          </p:nvPr>
-        </p:nvSpPr>
-        <p:spPr/>
-        <p:txBody>
-          <a:bodyPr/>
-          <a:lstStyle/>
-          <a:p>
-            <a:r>
-              <a:rPr lang="en-US" dirty="0"/>
-              <a:t>Many client specific interfaces are better than one general purpose </a:t>
-            </a:r>
-            <a:r>
-              <a:rPr lang="en-US" dirty="0" smtClean="0"/>
-              <a:t>interface</a:t>
-            </a:r>
-            <a:r>
-              <a:rPr lang="tr-TR" dirty="0" smtClean="0"/>
-              <a:t>.</a:t>
-            </a:r>
-            <a:endParaRPr lang="en-US" dirty="0"/>
-          </a:p>
-        </p:txBody>
-      </p:sp>
-      <p:sp>
-        <p:nvSpPr>
-          <p:cNvPr id="4" name="Date Placeholder 3"/>
-          <p:cNvSpPr>
-            <a:spLocks noGrp="1"/>
-          </p:cNvSpPr>
-          <p:nvPr>
-            <p:ph type="dt" sz="half" idx="10"/>
-          </p:nvPr>
-        </p:nvSpPr>
-        <p:spPr/>
-        <p:txBody>
-          <a:bodyPr/>
-          <a:lstStyle/>
-          <a:p>
-            <a:r>
-              <a:rPr lang="tr-TR" dirty="0"/>
-              <a:t>11.02.2020</a:t>
-            </a:r>
-            <a:endParaRPr lang="tr-TR" dirty="0"/>
-          </a:p>
-        </p:txBody>
-      </p:sp>
-      <p:pic>
-        <p:nvPicPr>
-          <p:cNvPr id="5" name="Picture 4"/>
-          <p:cNvPicPr>
-            <a:picLocks noChangeAspect="1"/>
-          </p:cNvPicPr>
-          <p:nvPr/>
-        </p:nvPicPr>
-        <p:blipFill>
-          <a:blip r:embed="rId2"/>
-          <a:stretch>
-            <a:fillRect/>
-          </a:stretch>
-        </p:blipFill>
-        <p:spPr>
-          <a:xfrm>
-            <a:off x="1686818" y="2600324"/>
-            <a:ext cx="8039100" cy="3181350"/>
-          </a:xfrm>
-          <a:prstGeom prst="rect">
-            <a:avLst/>
-          </a:prstGeom>
-        </p:spPr>
-      </p:pic>
-    </p:spTree>
-    <p:extLst>
-      <p:ext uri="{BB962C8B-B14F-4D97-AF65-F5344CB8AC3E}">
-        <p14:creationId xmlns:p14="http://schemas.microsoft.com/office/powerpoint/2010/main" val="2326683711"/>
-      </p:ext>
-    </p:extLst>
-  </p:cSld>
-  <p:clrMapOvr>
-    <a:masterClrMapping/>
-  </p:clrMapOvr>
-  <p:transition spd="slow">
-    <p:push dir="u"/>
-  </p:transition>
-</p:sld>
-</file>
-
-<file path=ppt/slides/slide35.xml><?xml version="1.0" encoding="utf-8"?>
-<p:sld xmlns:a="http://schemas.openxmlformats.org/drawingml/2006/main" xmlns:r="http://schemas.openxmlformats.org/officeDocument/2006/relationships" xmlns:p="http://schemas.openxmlformats.org/presentationml/2006/main">
-  <p:cSld>
-    <p:spTree>
-      <p:nvGrpSpPr>
-        <p:cNvPr id="1" name=""/>
-        <p:cNvGrpSpPr/>
-        <p:nvPr/>
-      </p:nvGrpSpPr>
-      <p:grpSpPr>
-        <a:xfrm>
-          <a:off x="0" y="0"/>
-          <a:ext cx="0" cy="0"/>
-          <a:chOff x="0" y="0"/>
-          <a:chExt cx="0" cy="0"/>
-        </a:xfrm>
-      </p:grpSpPr>
-      <p:sp>
-        <p:nvSpPr>
-          <p:cNvPr id="2" name="Title 1"/>
-          <p:cNvSpPr>
-            <a:spLocks noGrp="1"/>
-          </p:cNvSpPr>
-          <p:nvPr>
-            <p:ph type="title"/>
-          </p:nvPr>
-        </p:nvSpPr>
-        <p:spPr/>
-        <p:txBody>
-          <a:bodyPr/>
-          <a:lstStyle/>
-          <a:p>
-            <a:r>
-              <a:rPr lang="en-US" dirty="0"/>
-              <a:t>Dependency Inversion Principle (DIP</a:t>
-            </a:r>
-            <a:r>
-              <a:rPr lang="en-US" dirty="0" smtClean="0"/>
-              <a:t>)</a:t>
-            </a:r>
-            <a:endParaRPr lang="en-US" dirty="0"/>
-          </a:p>
-        </p:txBody>
-      </p:sp>
-      <p:sp>
-        <p:nvSpPr>
-          <p:cNvPr id="3" name="Content Placeholder 2"/>
-          <p:cNvSpPr>
-            <a:spLocks noGrp="1"/>
-          </p:cNvSpPr>
-          <p:nvPr>
-            <p:ph idx="1"/>
-          </p:nvPr>
-        </p:nvSpPr>
-        <p:spPr/>
-        <p:txBody>
-          <a:bodyPr/>
-          <a:lstStyle/>
-          <a:p>
-            <a:r>
-              <a:rPr lang="en-US" dirty="0"/>
-              <a:t>Depend upon Abstractions. Do not depend upon concretions</a:t>
-            </a:r>
-          </a:p>
-        </p:txBody>
-      </p:sp>
-      <p:sp>
-        <p:nvSpPr>
-          <p:cNvPr id="4" name="Date Placeholder 3"/>
-          <p:cNvSpPr>
-            <a:spLocks noGrp="1"/>
-          </p:cNvSpPr>
-          <p:nvPr>
-            <p:ph type="dt" sz="half" idx="10"/>
-          </p:nvPr>
-        </p:nvSpPr>
-        <p:spPr/>
-        <p:txBody>
-          <a:bodyPr/>
-          <a:lstStyle/>
-          <a:p>
-            <a:r>
-              <a:rPr lang="tr-TR" dirty="0"/>
-              <a:t>11.02.2020</a:t>
-            </a:r>
-            <a:endParaRPr lang="tr-TR" dirty="0"/>
-          </a:p>
-        </p:txBody>
-      </p:sp>
-      <p:pic>
-        <p:nvPicPr>
-          <p:cNvPr id="5" name="Picture 4"/>
-          <p:cNvPicPr>
-            <a:picLocks noChangeAspect="1"/>
-          </p:cNvPicPr>
-          <p:nvPr/>
-        </p:nvPicPr>
-        <p:blipFill>
-          <a:blip r:embed="rId2"/>
-          <a:stretch>
-            <a:fillRect/>
-          </a:stretch>
-        </p:blipFill>
-        <p:spPr>
-          <a:xfrm>
-            <a:off x="2081493" y="2694623"/>
-            <a:ext cx="7562850" cy="2933700"/>
-          </a:xfrm>
-          <a:prstGeom prst="rect">
-            <a:avLst/>
-          </a:prstGeom>
-        </p:spPr>
-      </p:pic>
-    </p:spTree>
-    <p:extLst>
-      <p:ext uri="{BB962C8B-B14F-4D97-AF65-F5344CB8AC3E}">
-        <p14:creationId xmlns:p14="http://schemas.microsoft.com/office/powerpoint/2010/main" val="1957140238"/>
-      </p:ext>
-    </p:extLst>
-  </p:cSld>
-  <p:clrMapOvr>
-    <a:masterClrMapping/>
-  </p:clrMapOvr>
-  <p:transition spd="slow">
-    <p:push dir="u"/>
-  </p:transition>
-</p:sld>
-</file>
-
-<file path=ppt/slides/slide36.xml><?xml version="1.0" encoding="utf-8"?>
-<p:sld xmlns:a="http://schemas.openxmlformats.org/drawingml/2006/main" xmlns:r="http://schemas.openxmlformats.org/officeDocument/2006/relationships" xmlns:p="http://schemas.openxmlformats.org/presentationml/2006/main">
-  <p:cSld>
-    <p:spTree>
-      <p:nvGrpSpPr>
-        <p:cNvPr id="1" name=""/>
-        <p:cNvGrpSpPr/>
-        <p:nvPr/>
-      </p:nvGrpSpPr>
-      <p:grpSpPr>
-        <a:xfrm>
-          <a:off x="0" y="0"/>
-          <a:ext cx="0" cy="0"/>
-          <a:chOff x="0" y="0"/>
-          <a:chExt cx="0" cy="0"/>
-        </a:xfrm>
-      </p:grpSpPr>
-      <p:sp>
-        <p:nvSpPr>
-          <p:cNvPr id="2" name="Title 1"/>
-          <p:cNvSpPr>
-            <a:spLocks noGrp="1"/>
-          </p:cNvSpPr>
-          <p:nvPr>
-            <p:ph type="title"/>
-          </p:nvPr>
-        </p:nvSpPr>
-        <p:spPr/>
-        <p:txBody>
-          <a:bodyPr/>
-          <a:lstStyle/>
-          <a:p>
-            <a:r>
-              <a:rPr lang="en-US" dirty="0"/>
-              <a:t>DRY – Don’t Repeat yourself</a:t>
-            </a:r>
-          </a:p>
-        </p:txBody>
-      </p:sp>
-      <p:sp>
-        <p:nvSpPr>
-          <p:cNvPr id="3" name="Content Placeholder 2"/>
-          <p:cNvSpPr>
-            <a:spLocks noGrp="1"/>
-          </p:cNvSpPr>
-          <p:nvPr>
-            <p:ph idx="1"/>
-          </p:nvPr>
-        </p:nvSpPr>
-        <p:spPr/>
-        <p:txBody>
-          <a:bodyPr/>
-          <a:lstStyle/>
-          <a:p>
-            <a:r>
-              <a:rPr lang="en-US" dirty="0"/>
-              <a:t>The Don’t Repeat Yourself (DRY) principle states that duplication in logic should be eliminated via abstraction; duplication in process should be eliminated via automation</a:t>
-            </a:r>
-            <a:r>
-              <a:rPr lang="en-US" dirty="0" smtClean="0"/>
-              <a:t>.</a:t>
-            </a:r>
-            <a:endParaRPr lang="tr-TR" dirty="0" smtClean="0"/>
-          </a:p>
-          <a:p>
-            <a:endParaRPr lang="tr-TR" b="1" dirty="0"/>
-          </a:p>
-          <a:p>
-            <a:r>
-              <a:rPr lang="en-US" b="1" dirty="0" smtClean="0"/>
-              <a:t>Duplication </a:t>
-            </a:r>
-            <a:r>
-              <a:rPr lang="en-US" b="1" dirty="0"/>
-              <a:t>is Waste</a:t>
-            </a:r>
-            <a:r>
-              <a:rPr lang="en-US" dirty="0"/>
-              <a:t/>
-            </a:r>
-            <a:br>
-              <a:rPr lang="en-US" dirty="0"/>
-            </a:br>
-            <a:r>
-              <a:rPr lang="en-US" dirty="0"/>
-              <a:t>Adding additional, unnecessary code to a codebase increases the amount of work required to extend and maintain the software in the future.  Duplicate code adds to technical debt. </a:t>
-            </a:r>
-            <a:endParaRPr lang="en-US" dirty="0"/>
-          </a:p>
-        </p:txBody>
-      </p:sp>
-      <p:sp>
-        <p:nvSpPr>
-          <p:cNvPr id="4" name="Date Placeholder 3"/>
-          <p:cNvSpPr>
-            <a:spLocks noGrp="1"/>
-          </p:cNvSpPr>
-          <p:nvPr>
-            <p:ph type="dt" sz="half" idx="10"/>
-          </p:nvPr>
-        </p:nvSpPr>
-        <p:spPr/>
-        <p:txBody>
-          <a:bodyPr/>
-          <a:lstStyle/>
-          <a:p>
-            <a:r>
-              <a:rPr lang="tr-TR" dirty="0"/>
-              <a:t>11.02.2020</a:t>
-            </a:r>
-            <a:endParaRPr lang="tr-TR" dirty="0"/>
-          </a:p>
-        </p:txBody>
-      </p:sp>
-    </p:spTree>
-    <p:extLst>
-      <p:ext uri="{BB962C8B-B14F-4D97-AF65-F5344CB8AC3E}">
-        <p14:creationId xmlns:p14="http://schemas.microsoft.com/office/powerpoint/2010/main" val="1444224148"/>
-      </p:ext>
-    </p:extLst>
-  </p:cSld>
-  <p:clrMapOvr>
-    <a:masterClrMapping/>
-  </p:clrMapOvr>
-  <p:transition spd="slow">
-    <p:push dir="u"/>
-  </p:transition>
-</p:sld>
-</file>
-
-<file path=ppt/slides/slide37.xml><?xml version="1.0" encoding="utf-8"?>
-<p:sld xmlns:a="http://schemas.openxmlformats.org/drawingml/2006/main" xmlns:r="http://schemas.openxmlformats.org/officeDocument/2006/relationships" xmlns:p="http://schemas.openxmlformats.org/presentationml/2006/main">
-  <p:cSld>
-    <p:spTree>
-      <p:nvGrpSpPr>
-        <p:cNvPr id="1" name=""/>
-        <p:cNvGrpSpPr/>
-        <p:nvPr/>
-      </p:nvGrpSpPr>
-      <p:grpSpPr>
-        <a:xfrm>
-          <a:off x="0" y="0"/>
-          <a:ext cx="0" cy="0"/>
-          <a:chOff x="0" y="0"/>
-          <a:chExt cx="0" cy="0"/>
-        </a:xfrm>
-      </p:grpSpPr>
-      <p:sp>
-        <p:nvSpPr>
           <p:cNvPr id="2" name="Title 1">
             <a:extLst>
               <a:ext uri="{FF2B5EF4-FFF2-40B4-BE49-F238E27FC236}">
@@ -10736,7 +6948,7 @@
 </p:sld>
 </file>
 
-<file path=ppt/slides/slide38.xml><?xml version="1.0" encoding="utf-8"?>
+<file path=ppt/slides/slide19.xml><?xml version="1.0" encoding="utf-8"?>
 <p:sld xmlns:a="http://schemas.openxmlformats.org/drawingml/2006/main" xmlns:r="http://schemas.openxmlformats.org/officeDocument/2006/relationships" xmlns:p="http://schemas.openxmlformats.org/presentationml/2006/main">
   <p:cSld>
     <p:spTree>
@@ -10934,7 +7146,6 @@
               <a:rPr lang="tr-TR" dirty="0"/>
               <a:t>11.02.2020</a:t>
             </a:r>
-            <a:endParaRPr lang="tr-TR" dirty="0"/>
           </a:p>
         </p:txBody>
       </p:sp>
@@ -10942,6 +7153,461 @@
     <p:extLst>
       <p:ext uri="{BB962C8B-B14F-4D97-AF65-F5344CB8AC3E}">
         <p14:creationId xmlns:p14="http://schemas.microsoft.com/office/powerpoint/2010/main" val="2345335890"/>
+      </p:ext>
+    </p:extLst>
+  </p:cSld>
+  <p:clrMapOvr>
+    <a:masterClrMapping/>
+  </p:clrMapOvr>
+  <p:transition spd="slow">
+    <p:push dir="u"/>
+  </p:transition>
+</p:sld>
+</file>
+
+<file path=ppt/slides/slide2.xml><?xml version="1.0" encoding="utf-8"?>
+<p:sld xmlns:a="http://schemas.openxmlformats.org/drawingml/2006/main" xmlns:r="http://schemas.openxmlformats.org/officeDocument/2006/relationships" xmlns:p="http://schemas.openxmlformats.org/presentationml/2006/main">
+  <p:cSld>
+    <p:spTree>
+      <p:nvGrpSpPr>
+        <p:cNvPr id="1" name=""/>
+        <p:cNvGrpSpPr/>
+        <p:nvPr/>
+      </p:nvGrpSpPr>
+      <p:grpSpPr>
+        <a:xfrm>
+          <a:off x="0" y="0"/>
+          <a:ext cx="0" cy="0"/>
+          <a:chOff x="0" y="0"/>
+          <a:chExt cx="0" cy="0"/>
+        </a:xfrm>
+      </p:grpSpPr>
+      <p:sp>
+        <p:nvSpPr>
+          <p:cNvPr id="2" name="Unvan 1">
+            <a:extLst>
+              <a:ext uri="{FF2B5EF4-FFF2-40B4-BE49-F238E27FC236}">
+                <a16:creationId xmlns:a16="http://schemas.microsoft.com/office/drawing/2014/main" id="{0900DD59-2566-423F-8EAB-187665DD9F42}"/>
+              </a:ext>
+            </a:extLst>
+          </p:cNvPr>
+          <p:cNvSpPr>
+            <a:spLocks noGrp="1"/>
+          </p:cNvSpPr>
+          <p:nvPr>
+            <p:ph type="title"/>
+          </p:nvPr>
+        </p:nvSpPr>
+        <p:spPr>
+          <a:xfrm>
+            <a:off x="1451579" y="804520"/>
+            <a:ext cx="9491241" cy="787444"/>
+          </a:xfrm>
+          <a:ln>
+            <a:noFill/>
+          </a:ln>
+        </p:spPr>
+        <p:txBody>
+          <a:bodyPr>
+            <a:normAutofit fontScale="90000"/>
+          </a:bodyPr>
+          <a:lstStyle/>
+          <a:p>
+            <a:pPr algn="ctr"/>
+            <a:r>
+              <a:rPr lang="tr-TR" dirty="0"/>
+              <a:t>SOFTWARE DEVELOPMENT STEPS</a:t>
+            </a:r>
+            <a:r>
+              <a:rPr lang="tr-TR" i="1" dirty="0"/>
+              <a:t/>
+            </a:r>
+            <a:br>
+              <a:rPr lang="tr-TR" i="1" dirty="0"/>
+            </a:br>
+            <a:endParaRPr lang="tr-TR" b="1" i="1" dirty="0"/>
+          </a:p>
+        </p:txBody>
+      </p:sp>
+      <p:sp>
+        <p:nvSpPr>
+          <p:cNvPr id="6" name="İçerik Yer Tutucusu 5">
+            <a:extLst>
+              <a:ext uri="{FF2B5EF4-FFF2-40B4-BE49-F238E27FC236}">
+                <a16:creationId xmlns:a16="http://schemas.microsoft.com/office/drawing/2014/main" id="{3612B575-5451-47D6-94CD-643E068AB637}"/>
+              </a:ext>
+            </a:extLst>
+          </p:cNvPr>
+          <p:cNvSpPr>
+            <a:spLocks noGrp="1"/>
+          </p:cNvSpPr>
+          <p:nvPr>
+            <p:ph idx="4294967295"/>
+          </p:nvPr>
+        </p:nvSpPr>
+        <p:spPr>
+          <a:xfrm>
+            <a:off x="1544533" y="1683401"/>
+            <a:ext cx="10647467" cy="3807761"/>
+          </a:xfrm>
+        </p:spPr>
+        <p:txBody>
+          <a:bodyPr>
+            <a:normAutofit fontScale="92500" lnSpcReduction="20000"/>
+          </a:bodyPr>
+          <a:lstStyle/>
+          <a:p>
+            <a:endParaRPr lang="tr-TR" dirty="0"/>
+          </a:p>
+          <a:p>
+            <a:r>
+              <a:rPr lang="tr-TR" dirty="0"/>
+              <a:t> Problem Definition</a:t>
+            </a:r>
+          </a:p>
+          <a:p>
+            <a:pPr lvl="1"/>
+            <a:r>
+              <a:rPr lang="tr-TR" dirty="0"/>
+              <a:t>Understanding the problem and requirements</a:t>
+            </a:r>
+          </a:p>
+          <a:p>
+            <a:r>
+              <a:rPr lang="tr-TR" dirty="0"/>
+              <a:t>Analysis</a:t>
+            </a:r>
+          </a:p>
+          <a:p>
+            <a:pPr lvl="1"/>
+            <a:r>
+              <a:rPr lang="tr-TR" dirty="0"/>
+              <a:t>Working on technical requirements for the software</a:t>
+            </a:r>
+          </a:p>
+          <a:p>
+            <a:r>
+              <a:rPr lang="tr-TR" dirty="0"/>
+              <a:t>Coding</a:t>
+            </a:r>
+          </a:p>
+          <a:p>
+            <a:pPr lvl="1"/>
+            <a:r>
+              <a:rPr lang="tr-TR" dirty="0"/>
+              <a:t>Developing assigned parts of software with preferred language</a:t>
+            </a:r>
+          </a:p>
+          <a:p>
+            <a:r>
+              <a:rPr lang="tr-TR" dirty="0"/>
+              <a:t>Testing </a:t>
+            </a:r>
+          </a:p>
+          <a:p>
+            <a:pPr lvl="1"/>
+            <a:r>
+              <a:rPr lang="tr-TR" dirty="0"/>
+              <a:t>Testing software with the business scenarios </a:t>
+            </a:r>
+          </a:p>
+          <a:p>
+            <a:r>
+              <a:rPr lang="tr-TR" dirty="0"/>
+              <a:t>Documentation</a:t>
+            </a:r>
+          </a:p>
+        </p:txBody>
+      </p:sp>
+      <p:sp>
+        <p:nvSpPr>
+          <p:cNvPr id="10" name="Dikdörtgen 9">
+            <a:extLst>
+              <a:ext uri="{FF2B5EF4-FFF2-40B4-BE49-F238E27FC236}">
+                <a16:creationId xmlns:a16="http://schemas.microsoft.com/office/drawing/2014/main" id="{BA238E6D-D6F2-4C6C-855C-674D36A63C58}"/>
+              </a:ext>
+            </a:extLst>
+          </p:cNvPr>
+          <p:cNvSpPr/>
+          <p:nvPr/>
+        </p:nvSpPr>
+        <p:spPr>
+          <a:xfrm>
+            <a:off x="1258631" y="2554911"/>
+            <a:ext cx="4644421" cy="369332"/>
+          </a:xfrm>
+          <a:prstGeom prst="rect">
+            <a:avLst/>
+          </a:prstGeom>
+        </p:spPr>
+        <p:txBody>
+          <a:bodyPr wrap="square">
+            <a:spAutoFit/>
+          </a:bodyPr>
+          <a:lstStyle/>
+          <a:p>
+            <a:r>
+              <a:rPr lang="tr-TR" dirty="0"/>
+              <a:t>		</a:t>
+            </a:r>
+          </a:p>
+        </p:txBody>
+      </p:sp>
+      <p:sp>
+        <p:nvSpPr>
+          <p:cNvPr id="8" name="Date Placeholder 5">
+            <a:extLst>
+              <a:ext uri="{FF2B5EF4-FFF2-40B4-BE49-F238E27FC236}">
+                <a16:creationId xmlns:a16="http://schemas.microsoft.com/office/drawing/2014/main" id="{F0751687-922C-4419-B37C-E1742F5D6BAE}"/>
+              </a:ext>
+            </a:extLst>
+          </p:cNvPr>
+          <p:cNvSpPr>
+            <a:spLocks noGrp="1"/>
+          </p:cNvSpPr>
+          <p:nvPr>
+            <p:ph type="dt" sz="half" idx="10"/>
+          </p:nvPr>
+        </p:nvSpPr>
+        <p:spPr>
+          <a:xfrm>
+            <a:off x="7554138" y="330370"/>
+            <a:ext cx="3500715" cy="309201"/>
+          </a:xfrm>
+        </p:spPr>
+        <p:txBody>
+          <a:bodyPr/>
+          <a:lstStyle/>
+          <a:p>
+            <a:r>
+              <a:rPr lang="tr-TR" dirty="0"/>
+              <a:t>11.02.2020</a:t>
+            </a:r>
+          </a:p>
+        </p:txBody>
+      </p:sp>
+    </p:spTree>
+    <p:extLst>
+      <p:ext uri="{BB962C8B-B14F-4D97-AF65-F5344CB8AC3E}">
+        <p14:creationId xmlns:p14="http://schemas.microsoft.com/office/powerpoint/2010/main" val="1618724020"/>
+      </p:ext>
+    </p:extLst>
+  </p:cSld>
+  <p:clrMapOvr>
+    <a:masterClrMapping/>
+  </p:clrMapOvr>
+  <p:transition spd="slow">
+    <p:push dir="u"/>
+  </p:transition>
+</p:sld>
+</file>
+
+<file path=ppt/slides/slide3.xml><?xml version="1.0" encoding="utf-8"?>
+<p:sld xmlns:a="http://schemas.openxmlformats.org/drawingml/2006/main" xmlns:r="http://schemas.openxmlformats.org/officeDocument/2006/relationships" xmlns:p="http://schemas.openxmlformats.org/presentationml/2006/main">
+  <p:cSld>
+    <p:spTree>
+      <p:nvGrpSpPr>
+        <p:cNvPr id="1" name=""/>
+        <p:cNvGrpSpPr/>
+        <p:nvPr/>
+      </p:nvGrpSpPr>
+      <p:grpSpPr>
+        <a:xfrm>
+          <a:off x="0" y="0"/>
+          <a:ext cx="0" cy="0"/>
+          <a:chOff x="0" y="0"/>
+          <a:chExt cx="0" cy="0"/>
+        </a:xfrm>
+      </p:grpSpPr>
+      <p:sp>
+        <p:nvSpPr>
+          <p:cNvPr id="2" name="Unvan 1">
+            <a:extLst>
+              <a:ext uri="{FF2B5EF4-FFF2-40B4-BE49-F238E27FC236}">
+                <a16:creationId xmlns:a16="http://schemas.microsoft.com/office/drawing/2014/main" id="{0900DD59-2566-423F-8EAB-187665DD9F42}"/>
+              </a:ext>
+            </a:extLst>
+          </p:cNvPr>
+          <p:cNvSpPr>
+            <a:spLocks noGrp="1"/>
+          </p:cNvSpPr>
+          <p:nvPr>
+            <p:ph type="title"/>
+          </p:nvPr>
+        </p:nvSpPr>
+        <p:spPr>
+          <a:xfrm>
+            <a:off x="1451579" y="804520"/>
+            <a:ext cx="9491241" cy="787444"/>
+          </a:xfrm>
+          <a:ln>
+            <a:noFill/>
+          </a:ln>
+        </p:spPr>
+        <p:txBody>
+          <a:bodyPr>
+            <a:normAutofit fontScale="90000"/>
+          </a:bodyPr>
+          <a:lstStyle/>
+          <a:p>
+            <a:pPr algn="ctr"/>
+            <a:r>
+              <a:rPr lang="tr-TR" dirty="0"/>
+              <a:t>SOFTWARE DesIgn Approaches</a:t>
+            </a:r>
+            <a:r>
+              <a:rPr lang="tr-TR" i="1" dirty="0"/>
+              <a:t/>
+            </a:r>
+            <a:br>
+              <a:rPr lang="tr-TR" i="1" dirty="0"/>
+            </a:br>
+            <a:endParaRPr lang="tr-TR" b="1" i="1" dirty="0"/>
+          </a:p>
+        </p:txBody>
+      </p:sp>
+      <p:sp>
+        <p:nvSpPr>
+          <p:cNvPr id="6" name="İçerik Yer Tutucusu 5">
+            <a:extLst>
+              <a:ext uri="{FF2B5EF4-FFF2-40B4-BE49-F238E27FC236}">
+                <a16:creationId xmlns:a16="http://schemas.microsoft.com/office/drawing/2014/main" id="{3612B575-5451-47D6-94CD-643E068AB637}"/>
+              </a:ext>
+            </a:extLst>
+          </p:cNvPr>
+          <p:cNvSpPr>
+            <a:spLocks noGrp="1"/>
+          </p:cNvSpPr>
+          <p:nvPr>
+            <p:ph idx="4294967295"/>
+          </p:nvPr>
+        </p:nvSpPr>
+        <p:spPr>
+          <a:xfrm>
+            <a:off x="1544533" y="1683401"/>
+            <a:ext cx="10647467" cy="3807761"/>
+          </a:xfrm>
+        </p:spPr>
+        <p:txBody>
+          <a:bodyPr>
+            <a:normAutofit/>
+          </a:bodyPr>
+          <a:lstStyle/>
+          <a:p>
+            <a:endParaRPr lang="tr-TR" dirty="0"/>
+          </a:p>
+          <a:p>
+            <a:r>
+              <a:rPr lang="tr-TR" dirty="0"/>
+              <a:t> Data Flow Chart Approach</a:t>
+            </a:r>
+          </a:p>
+          <a:p>
+            <a:pPr lvl="1"/>
+            <a:r>
+              <a:rPr lang="tr-TR" dirty="0"/>
+              <a:t>Thinking the algorithm with diagrams</a:t>
+            </a:r>
+          </a:p>
+          <a:p>
+            <a:r>
+              <a:rPr lang="tr-TR" dirty="0"/>
+              <a:t>Data Structure Approach</a:t>
+            </a:r>
+          </a:p>
+          <a:p>
+            <a:pPr lvl="1"/>
+            <a:r>
+              <a:rPr lang="tr-TR" dirty="0"/>
+              <a:t>Deciding the correct data structure for the data which will be used in project.</a:t>
+            </a:r>
+          </a:p>
+          <a:p>
+            <a:r>
+              <a:rPr lang="tr-TR" dirty="0"/>
+              <a:t>Object Oriented Approach</a:t>
+            </a:r>
+          </a:p>
+          <a:p>
+            <a:pPr lvl="1"/>
+            <a:r>
+              <a:rPr lang="tr-TR" dirty="0"/>
+              <a:t>Model this real world problem with the objects and communication messages between objects.</a:t>
+            </a:r>
+          </a:p>
+        </p:txBody>
+      </p:sp>
+      <p:sp>
+        <p:nvSpPr>
+          <p:cNvPr id="10" name="Dikdörtgen 9">
+            <a:extLst>
+              <a:ext uri="{FF2B5EF4-FFF2-40B4-BE49-F238E27FC236}">
+                <a16:creationId xmlns:a16="http://schemas.microsoft.com/office/drawing/2014/main" id="{BA238E6D-D6F2-4C6C-855C-674D36A63C58}"/>
+              </a:ext>
+            </a:extLst>
+          </p:cNvPr>
+          <p:cNvSpPr/>
+          <p:nvPr/>
+        </p:nvSpPr>
+        <p:spPr>
+          <a:xfrm>
+            <a:off x="1258631" y="2554911"/>
+            <a:ext cx="4644421" cy="369332"/>
+          </a:xfrm>
+          <a:prstGeom prst="rect">
+            <a:avLst/>
+          </a:prstGeom>
+        </p:spPr>
+        <p:txBody>
+          <a:bodyPr wrap="square">
+            <a:spAutoFit/>
+          </a:bodyPr>
+          <a:lstStyle/>
+          <a:p>
+            <a:r>
+              <a:rPr lang="tr-TR" dirty="0"/>
+              <a:t>		</a:t>
+            </a:r>
+          </a:p>
+        </p:txBody>
+      </p:sp>
+      <p:sp>
+        <p:nvSpPr>
+          <p:cNvPr id="7" name="Date Placeholder 5">
+            <a:extLst>
+              <a:ext uri="{FF2B5EF4-FFF2-40B4-BE49-F238E27FC236}">
+                <a16:creationId xmlns:a16="http://schemas.microsoft.com/office/drawing/2014/main" id="{F0751687-922C-4419-B37C-E1742F5D6BAE}"/>
+              </a:ext>
+            </a:extLst>
+          </p:cNvPr>
+          <p:cNvSpPr>
+            <a:spLocks noGrp="1"/>
+          </p:cNvSpPr>
+          <p:nvPr>
+            <p:ph type="dt" sz="half" idx="10"/>
+          </p:nvPr>
+        </p:nvSpPr>
+        <p:spPr>
+          <a:xfrm>
+            <a:off x="7554138" y="330370"/>
+            <a:ext cx="3500715" cy="309201"/>
+          </a:xfrm>
+        </p:spPr>
+        <p:txBody>
+          <a:bodyPr/>
+          <a:lstStyle/>
+          <a:p>
+            <a:r>
+              <a:rPr lang="tr-TR" dirty="0"/>
+              <a:t>11.02.2020</a:t>
+            </a:r>
+          </a:p>
+        </p:txBody>
+      </p:sp>
+    </p:spTree>
+    <p:extLst>
+      <p:ext uri="{BB962C8B-B14F-4D97-AF65-F5344CB8AC3E}">
+        <p14:creationId xmlns:p14="http://schemas.microsoft.com/office/powerpoint/2010/main" val="3508277624"/>
       </p:ext>
     </p:extLst>
   </p:cSld>
